--- a/Slides/Lesson 10.4 Converting from Immutable to Mutable Objects.pptx
+++ b/Slides/Lesson 10.4 Converting from Immutable to Mutable Objects.pptx
@@ -225,7 +225,7 @@
           <a:p>
             <a:fld id="{B7676462-FC52-45C7-85E1-16BDE2BE239E}" type="datetimeFigureOut">
               <a:rPr lang="en-US" smtClean="0"/>
-              <a:t>11/10/2015</a:t>
+              <a:t>11/15/2015</a:t>
             </a:fld>
             <a:endParaRPr lang="en-US"/>
           </a:p>
@@ -1094,7 +1094,7 @@
           <a:p>
             <a:fld id="{2F1F79F5-7BEC-496A-AFC7-876E38F64D71}" type="datetime1">
               <a:rPr lang="en-US" smtClean="0"/>
-              <a:t>11/10/2015</a:t>
+              <a:t>11/15/2015</a:t>
             </a:fld>
             <a:endParaRPr lang="en-US"/>
           </a:p>
@@ -1219,7 +1219,7 @@
           <a:p>
             <a:fld id="{2F7B77F5-1464-4F6B-92A8-64FC8A508293}" type="datetime1">
               <a:rPr lang="en-US" smtClean="0"/>
-              <a:t>11/10/2015</a:t>
+              <a:t>11/15/2015</a:t>
             </a:fld>
             <a:endParaRPr lang="en-US"/>
           </a:p>
@@ -1321,7 +1321,7 @@
           <a:p>
             <a:fld id="{0A05703A-7669-4FEA-9056-25299B4D29D4}" type="datetime1">
               <a:rPr lang="en-US" smtClean="0"/>
-              <a:t>11/10/2015</a:t>
+              <a:t>11/15/2015</a:t>
             </a:fld>
             <a:endParaRPr lang="en-US"/>
           </a:p>
@@ -1598,7 +1598,7 @@
           <a:p>
             <a:fld id="{6E5077B5-BB57-49DB-88CA-226A139E5C01}" type="datetime1">
               <a:rPr lang="en-US" smtClean="0"/>
-              <a:t>11/10/2015</a:t>
+              <a:t>11/15/2015</a:t>
             </a:fld>
             <a:endParaRPr lang="en-US"/>
           </a:p>
@@ -1851,7 +1851,7 @@
           <a:p>
             <a:fld id="{C48D9447-CBD6-49A1-89FD-8512A8CF8999}" type="datetime1">
               <a:rPr lang="en-US" smtClean="0"/>
-              <a:t>11/10/2015</a:t>
+              <a:t>11/15/2015</a:t>
             </a:fld>
             <a:endParaRPr lang="en-US"/>
           </a:p>
@@ -2021,7 +2021,7 @@
           <a:p>
             <a:fld id="{A3639A2A-823D-48B7-9ACE-7FAF42870BA9}" type="datetime1">
               <a:rPr lang="en-US" smtClean="0"/>
-              <a:t>11/10/2015</a:t>
+              <a:t>11/15/2015</a:t>
             </a:fld>
             <a:endParaRPr lang="en-US"/>
           </a:p>
@@ -2201,7 +2201,7 @@
           <a:p>
             <a:fld id="{ED1B6996-82E9-463C-972C-7B56056E426C}" type="datetime1">
               <a:rPr lang="en-US" smtClean="0"/>
-              <a:t>11/10/2015</a:t>
+              <a:t>11/15/2015</a:t>
             </a:fld>
             <a:endParaRPr lang="en-US"/>
           </a:p>
@@ -2384,7 +2384,7 @@
           <a:p>
             <a:fld id="{E22ED4DA-448D-4BB1-B935-CC112220207B}" type="datetime1">
               <a:rPr lang="en-US" smtClean="0"/>
-              <a:t>11/10/2015</a:t>
+              <a:t>11/15/2015</a:t>
             </a:fld>
             <a:endParaRPr lang="en-US"/>
           </a:p>
@@ -2566,7 +2566,7 @@
           <a:p>
             <a:fld id="{E22ED4DA-448D-4BB1-B935-CC112220207B}" type="datetime1">
               <a:rPr lang="en-US" smtClean="0"/>
-              <a:t>11/10/2015</a:t>
+              <a:t>11/15/2015</a:t>
             </a:fld>
             <a:endParaRPr lang="en-US"/>
           </a:p>
@@ -2835,7 +2835,7 @@
           <a:p>
             <a:fld id="{FF5D65A6-AB94-4435-B0B7-3743215FA46C}" type="datetime1">
               <a:rPr lang="en-US" smtClean="0"/>
-              <a:t>11/10/2015</a:t>
+              <a:t>11/15/2015</a:t>
             </a:fld>
             <a:endParaRPr lang="en-US"/>
           </a:p>
@@ -3138,7 +3138,7 @@
           <a:p>
             <a:fld id="{5D1846AD-9252-4647-9435-4C2AC365653A}" type="datetime1">
               <a:rPr lang="en-US" smtClean="0"/>
-              <a:t>11/10/2015</a:t>
+              <a:t>11/15/2015</a:t>
             </a:fld>
             <a:endParaRPr lang="en-US"/>
           </a:p>
@@ -3316,7 +3316,7 @@
           <a:p>
             <a:fld id="{FF5D65A6-AB94-4435-B0B7-3743215FA46C}" type="datetime1">
               <a:rPr lang="en-US" smtClean="0"/>
-              <a:t>11/10/2015</a:t>
+              <a:t>11/15/2015</a:t>
             </a:fld>
             <a:endParaRPr lang="en-US"/>
           </a:p>
@@ -3618,7 +3618,7 @@
           <a:p>
             <a:fld id="{7C193DC4-6EF0-48C9-B29C-616106A645E1}" type="datetime1">
               <a:rPr lang="en-US" smtClean="0"/>
-              <a:t>11/10/2015</a:t>
+              <a:t>11/15/2015</a:t>
             </a:fld>
             <a:endParaRPr lang="en-US"/>
           </a:p>
@@ -3906,7 +3906,7 @@
           <a:p>
             <a:fld id="{5D1846AD-9252-4647-9435-4C2AC365653A}" type="datetime1">
               <a:rPr lang="en-US" smtClean="0"/>
-              <a:t>11/10/2015</a:t>
+              <a:t>11/15/2015</a:t>
             </a:fld>
             <a:endParaRPr lang="en-US"/>
           </a:p>
@@ -4328,7 +4328,7 @@
           <a:p>
             <a:fld id="{CE56DC10-3561-4063-A6AF-C1CC7A41040A}" type="datetime1">
               <a:rPr lang="en-US" smtClean="0"/>
-              <a:t>11/10/2015</a:t>
+              <a:t>11/15/2015</a:t>
             </a:fld>
             <a:endParaRPr lang="en-US"/>
           </a:p>
@@ -4553,7 +4553,7 @@
           <a:p>
             <a:fld id="{02B3F677-983B-48DB-ADFD-63FE6CBC7FB2}" type="datetime1">
               <a:rPr lang="en-US" smtClean="0"/>
-              <a:t>11/10/2015</a:t>
+              <a:t>11/15/2015</a:t>
             </a:fld>
             <a:endParaRPr lang="en-US"/>
           </a:p>
@@ -5753,6 +5753,149 @@
           </a:p>
         </p:txBody>
       </p:sp>
+      <p:sp>
+        <p:nvSpPr>
+          <p:cNvPr id="7" name="Rectangle 6"/>
+          <p:cNvSpPr/>
+          <p:nvPr/>
+        </p:nvSpPr>
+        <p:spPr>
+          <a:xfrm>
+            <a:off x="5565742" y="2438400"/>
+            <a:ext cx="2895600" cy="1066800"/>
+          </a:xfrm>
+          <a:prstGeom prst="rect">
+            <a:avLst/>
+          </a:prstGeom>
+          <a:solidFill>
+            <a:schemeClr val="accent3">
+              <a:lumMod val="40000"/>
+              <a:lumOff val="60000"/>
+            </a:schemeClr>
+          </a:solidFill>
+          <a:ln/>
+        </p:spPr>
+        <p:style>
+          <a:lnRef idx="2">
+            <a:schemeClr val="accent1"/>
+          </a:lnRef>
+          <a:fillRef idx="1">
+            <a:schemeClr val="lt1"/>
+          </a:fillRef>
+          <a:effectRef idx="0">
+            <a:schemeClr val="accent1"/>
+          </a:effectRef>
+          <a:fontRef idx="minor">
+            <a:schemeClr val="dk1"/>
+          </a:fontRef>
+        </p:style>
+        <p:txBody>
+          <a:bodyPr rot="0" spcFirstLastPara="0" vertOverflow="overflow" horzOverflow="overflow" vert="horz" wrap="square" lIns="91440" tIns="45720" rIns="91440" bIns="45720" numCol="1" spcCol="0" rtlCol="0" fromWordArt="0" anchor="ctr" anchorCtr="0" forceAA="0" compatLnSpc="1">
+            <a:prstTxWarp prst="textNoShape">
+              <a:avLst/>
+            </a:prstTxWarp>
+            <a:noAutofit/>
+          </a:bodyPr>
+          <a:lstStyle/>
+          <a:p>
+            <a:pPr algn="ctr"/>
+            <a:r>
+              <a:rPr lang="en-US" sz="1200" b="1" dirty="0" smtClean="0">
+                <a:solidFill>
+                  <a:schemeClr val="tx1"/>
+                </a:solidFill>
+              </a:rPr>
+              <a:t>for-each</a:t>
+            </a:r>
+            <a:r>
+              <a:rPr lang="en-US" sz="1200" dirty="0" smtClean="0">
+                <a:solidFill>
+                  <a:schemeClr val="tx1"/>
+                </a:solidFill>
+              </a:rPr>
+              <a:t> is like map, but it doesn't make a list from the results.  Its contract is</a:t>
+            </a:r>
+          </a:p>
+          <a:p>
+            <a:pPr algn="ctr"/>
+            <a:r>
+              <a:rPr lang="en-US" sz="1200" b="1" dirty="0" smtClean="0">
+                <a:solidFill>
+                  <a:schemeClr val="tx1"/>
+                </a:solidFill>
+              </a:rPr>
+              <a:t>(X -&gt; Void) </a:t>
+            </a:r>
+            <a:r>
+              <a:rPr lang="en-US" sz="1200" b="1" dirty="0" err="1" smtClean="0">
+                <a:solidFill>
+                  <a:schemeClr val="tx1"/>
+                </a:solidFill>
+              </a:rPr>
+              <a:t>ListOfX</a:t>
+            </a:r>
+            <a:r>
+              <a:rPr lang="en-US" sz="1200" b="1" dirty="0" smtClean="0">
+                <a:solidFill>
+                  <a:schemeClr val="tx1"/>
+                </a:solidFill>
+              </a:rPr>
+              <a:t>  -&gt; Void</a:t>
+            </a:r>
+          </a:p>
+          <a:p>
+            <a:pPr algn="ctr"/>
+            <a:r>
+              <a:rPr lang="en-US" sz="1200" dirty="0" smtClean="0">
+                <a:solidFill>
+                  <a:schemeClr val="tx1"/>
+                </a:solidFill>
+              </a:rPr>
+              <a:t>See the Racket documentation for more.</a:t>
+            </a:r>
+            <a:endParaRPr lang="en-US" sz="1200" dirty="0">
+              <a:solidFill>
+                <a:schemeClr val="tx1"/>
+              </a:solidFill>
+            </a:endParaRPr>
+          </a:p>
+        </p:txBody>
+      </p:sp>
+      <p:cxnSp>
+        <p:nvCxnSpPr>
+          <p:cNvPr id="9" name="Straight Arrow Connector 8"/>
+          <p:cNvCxnSpPr>
+            <a:stCxn id="7" idx="2"/>
+          </p:cNvCxnSpPr>
+          <p:nvPr/>
+        </p:nvCxnSpPr>
+        <p:spPr>
+          <a:xfrm flipH="1">
+            <a:off x="6400800" y="3505200"/>
+            <a:ext cx="612742" cy="457200"/>
+          </a:xfrm>
+          <a:prstGeom prst="straightConnector1">
+            <a:avLst/>
+          </a:prstGeom>
+          <a:ln>
+            <a:tailEnd type="triangle"/>
+          </a:ln>
+        </p:spPr>
+        <p:style>
+          <a:lnRef idx="1">
+            <a:schemeClr val="accent1"/>
+          </a:lnRef>
+          <a:fillRef idx="0">
+            <a:schemeClr val="accent1"/>
+          </a:fillRef>
+          <a:effectRef idx="0">
+            <a:schemeClr val="accent1"/>
+          </a:effectRef>
+          <a:fontRef idx="minor">
+            <a:schemeClr val="tx1"/>
+          </a:fontRef>
+        </p:style>
+      </p:cxnSp>
     </p:spTree>
     <p:extLst>
       <p:ext uri="{BB962C8B-B14F-4D97-AF65-F5344CB8AC3E}">
@@ -6934,12 +7077,24 @@
               <a:t>;; </a:t>
             </a:r>
             <a:r>
-              <a:rPr lang="en-US" sz="4800" dirty="0" err="1"/>
+              <a:rPr lang="en-US" sz="4800" dirty="0" err="1">
+                <a:solidFill>
+                  <a:srgbClr val="FF0000"/>
+                </a:solidFill>
+              </a:rPr>
               <a:t>SWidget</a:t>
             </a:r>
             <a:r>
+              <a:rPr lang="en-US" sz="4800" dirty="0">
+                <a:solidFill>
+                  <a:srgbClr val="FF0000"/>
+                </a:solidFill>
+              </a:rPr>
+              <a:t>&lt;%&gt; </a:t>
+            </a:r>
+            <a:r>
               <a:rPr lang="en-US" sz="4800" dirty="0"/>
-              <a:t>&lt;%&gt; interface.</a:t>
+              <a:t>interface.</a:t>
             </a:r>
           </a:p>
           <a:p>
@@ -7483,6 +7638,140 @@
               <a:t> still returns a scene</a:t>
             </a:r>
             <a:endParaRPr lang="en-US" sz="1600" dirty="0">
+              <a:solidFill>
+                <a:schemeClr val="tx1"/>
+              </a:solidFill>
+            </a:endParaRPr>
+          </a:p>
+        </p:txBody>
+      </p:sp>
+      <p:sp>
+        <p:nvSpPr>
+          <p:cNvPr id="2" name="Rectangle 1"/>
+          <p:cNvSpPr/>
+          <p:nvPr/>
+        </p:nvSpPr>
+        <p:spPr>
+          <a:xfrm>
+            <a:off x="5943600" y="2133600"/>
+            <a:ext cx="2971800" cy="1524000"/>
+          </a:xfrm>
+          <a:prstGeom prst="rect">
+            <a:avLst/>
+          </a:prstGeom>
+          <a:solidFill>
+            <a:schemeClr val="accent3">
+              <a:lumMod val="40000"/>
+              <a:lumOff val="60000"/>
+            </a:schemeClr>
+          </a:solidFill>
+          <a:ln/>
+        </p:spPr>
+        <p:style>
+          <a:lnRef idx="2">
+            <a:schemeClr val="accent1"/>
+          </a:lnRef>
+          <a:fillRef idx="1">
+            <a:schemeClr val="lt1"/>
+          </a:fillRef>
+          <a:effectRef idx="0">
+            <a:schemeClr val="accent1"/>
+          </a:effectRef>
+          <a:fontRef idx="minor">
+            <a:schemeClr val="dk1"/>
+          </a:fontRef>
+        </p:style>
+        <p:txBody>
+          <a:bodyPr rot="0" spcFirstLastPara="0" vertOverflow="overflow" horzOverflow="overflow" vert="horz" wrap="square" lIns="91440" tIns="45720" rIns="91440" bIns="45720" numCol="1" spcCol="0" rtlCol="0" fromWordArt="0" anchor="ctr" anchorCtr="0" forceAA="0" compatLnSpc="1">
+            <a:prstTxWarp prst="textNoShape">
+              <a:avLst/>
+            </a:prstTxWarp>
+            <a:noAutofit/>
+          </a:bodyPr>
+          <a:lstStyle/>
+          <a:p>
+            <a:pPr algn="ctr"/>
+            <a:r>
+              <a:rPr lang="en-US" dirty="0" smtClean="0">
+                <a:solidFill>
+                  <a:schemeClr val="tx1"/>
+                </a:solidFill>
+              </a:rPr>
+              <a:t>We adopt the convention that </a:t>
+            </a:r>
+            <a:r>
+              <a:rPr lang="en-US" dirty="0" err="1" smtClean="0">
+                <a:solidFill>
+                  <a:schemeClr val="tx1"/>
+                </a:solidFill>
+              </a:rPr>
+              <a:t>stateful</a:t>
+            </a:r>
+            <a:r>
+              <a:rPr lang="en-US" dirty="0" smtClean="0">
+                <a:solidFill>
+                  <a:schemeClr val="tx1"/>
+                </a:solidFill>
+              </a:rPr>
+              <a:t> things have names starting with "</a:t>
+            </a:r>
+            <a:r>
+              <a:rPr lang="en-US" b="1" dirty="0" smtClean="0">
+                <a:solidFill>
+                  <a:schemeClr val="tx1"/>
+                </a:solidFill>
+              </a:rPr>
+              <a:t>S</a:t>
+            </a:r>
+            <a:r>
+              <a:rPr lang="en-US" dirty="0" smtClean="0">
+                <a:solidFill>
+                  <a:schemeClr val="tx1"/>
+                </a:solidFill>
+              </a:rPr>
+              <a:t>".  Thus </a:t>
+            </a:r>
+            <a:r>
+              <a:rPr lang="en-US" b="1" dirty="0" err="1" smtClean="0">
+                <a:solidFill>
+                  <a:schemeClr val="tx1"/>
+                </a:solidFill>
+              </a:rPr>
+              <a:t>Swidget</a:t>
+            </a:r>
+            <a:r>
+              <a:rPr lang="en-US" b="1" dirty="0" smtClean="0">
+                <a:solidFill>
+                  <a:schemeClr val="tx1"/>
+                </a:solidFill>
+              </a:rPr>
+              <a:t>&lt;%&gt; </a:t>
+            </a:r>
+            <a:r>
+              <a:rPr lang="en-US" dirty="0" smtClean="0">
+                <a:solidFill>
+                  <a:schemeClr val="tx1"/>
+                </a:solidFill>
+              </a:rPr>
+              <a:t>is the interface for </a:t>
+            </a:r>
+            <a:r>
+              <a:rPr lang="en-US" dirty="0" err="1" smtClean="0">
+                <a:solidFill>
+                  <a:schemeClr val="tx1"/>
+                </a:solidFill>
+              </a:rPr>
+              <a:t>stateful</a:t>
+            </a:r>
+            <a:r>
+              <a:rPr lang="en-US" dirty="0" smtClean="0">
+                <a:solidFill>
+                  <a:schemeClr val="tx1"/>
+                </a:solidFill>
+              </a:rPr>
+              <a:t> widgets.</a:t>
+            </a:r>
+            <a:endParaRPr lang="en-US" dirty="0">
               <a:solidFill>
                 <a:schemeClr val="tx1"/>
               </a:solidFill>

--- a/Slides/Lesson 10.4 Converting from Immutable to Mutable Objects.pptx
+++ b/Slides/Lesson 10.4 Converting from Immutable to Mutable Objects.pptx
@@ -225,7 +225,7 @@
           <a:p>
             <a:fld id="{B7676462-FC52-45C7-85E1-16BDE2BE239E}" type="datetimeFigureOut">
               <a:rPr lang="en-US" smtClean="0"/>
-              <a:t>11/15/2015</a:t>
+              <a:t>11/4/2016</a:t>
             </a:fld>
             <a:endParaRPr lang="en-US"/>
           </a:p>
@@ -289,38 +289,37 @@
           <a:p>
             <a:pPr lvl="0"/>
             <a:r>
-              <a:rPr lang="en-US" smtClean="0"/>
+              <a:rPr lang="en-US"/>
               <a:t>Click to edit Master text styles</a:t>
             </a:r>
           </a:p>
           <a:p>
             <a:pPr lvl="1"/>
             <a:r>
-              <a:rPr lang="en-US" smtClean="0"/>
+              <a:rPr lang="en-US"/>
               <a:t>Second level</a:t>
             </a:r>
           </a:p>
           <a:p>
             <a:pPr lvl="2"/>
             <a:r>
-              <a:rPr lang="en-US" smtClean="0"/>
+              <a:rPr lang="en-US"/>
               <a:t>Third level</a:t>
             </a:r>
           </a:p>
           <a:p>
             <a:pPr lvl="3"/>
             <a:r>
-              <a:rPr lang="en-US" smtClean="0"/>
+              <a:rPr lang="en-US"/>
               <a:t>Fourth level</a:t>
             </a:r>
           </a:p>
           <a:p>
             <a:pPr lvl="4"/>
             <a:r>
-              <a:rPr lang="en-US" smtClean="0"/>
+              <a:rPr lang="en-US"/>
               <a:t>Fifth level</a:t>
             </a:r>
-            <a:endParaRPr lang="en-US"/>
           </a:p>
         </p:txBody>
       </p:sp>
@@ -951,10 +950,9 @@
           <a:lstStyle/>
           <a:p>
             <a:r>
-              <a:rPr lang="en-US" smtClean="0"/>
+              <a:rPr lang="en-US"/>
               <a:t>Click to edit Master title style</a:t>
             </a:r>
-            <a:endParaRPr lang="en-US"/>
           </a:p>
         </p:txBody>
       </p:sp>
@@ -1070,10 +1068,9 @@
           </a:lstStyle>
           <a:p>
             <a:r>
-              <a:rPr lang="en-US" smtClean="0"/>
+              <a:rPr lang="en-US"/>
               <a:t>Click to edit Master subtitle style</a:t>
             </a:r>
-            <a:endParaRPr lang="en-US"/>
           </a:p>
         </p:txBody>
       </p:sp>
@@ -1094,7 +1091,7 @@
           <a:p>
             <a:fld id="{2F1F79F5-7BEC-496A-AFC7-876E38F64D71}" type="datetime1">
               <a:rPr lang="en-US" smtClean="0"/>
-              <a:t>11/15/2015</a:t>
+              <a:t>11/4/2016</a:t>
             </a:fld>
             <a:endParaRPr lang="en-US"/>
           </a:p>
@@ -1152,13 +1149,6 @@
   <p:clrMapOvr>
     <a:masterClrMapping/>
   </p:clrMapOvr>
-  <p:timing>
-    <p:tnLst>
-      <p:par>
-        <p:cTn id="1" dur="indefinite" restart="never" nodeType="tmRoot"/>
-      </p:par>
-    </p:tnLst>
-  </p:timing>
 </p:sldLayout>
 </file>
 
@@ -1195,10 +1185,9 @@
           <a:lstStyle/>
           <a:p>
             <a:r>
-              <a:rPr lang="en-US" smtClean="0"/>
+              <a:rPr lang="en-US"/>
               <a:t>Click to edit Master title style</a:t>
             </a:r>
-            <a:endParaRPr lang="en-US"/>
           </a:p>
         </p:txBody>
       </p:sp>
@@ -1219,7 +1208,7 @@
           <a:p>
             <a:fld id="{2F7B77F5-1464-4F6B-92A8-64FC8A508293}" type="datetime1">
               <a:rPr lang="en-US" smtClean="0"/>
-              <a:t>11/15/2015</a:t>
+              <a:t>11/4/2016</a:t>
             </a:fld>
             <a:endParaRPr lang="en-US"/>
           </a:p>
@@ -1277,13 +1266,6 @@
   <p:clrMapOvr>
     <a:masterClrMapping/>
   </p:clrMapOvr>
-  <p:timing>
-    <p:tnLst>
-      <p:par>
-        <p:cTn id="1" dur="indefinite" restart="never" nodeType="tmRoot"/>
-      </p:par>
-    </p:tnLst>
-  </p:timing>
 </p:sldLayout>
 </file>
 
@@ -1321,7 +1303,7 @@
           <a:p>
             <a:fld id="{0A05703A-7669-4FEA-9056-25299B4D29D4}" type="datetime1">
               <a:rPr lang="en-US" smtClean="0"/>
-              <a:t>11/15/2015</a:t>
+              <a:t>11/4/2016</a:t>
             </a:fld>
             <a:endParaRPr lang="en-US"/>
           </a:p>
@@ -1424,10 +1406,9 @@
           </a:lstStyle>
           <a:p>
             <a:r>
-              <a:rPr lang="en-US" smtClean="0"/>
+              <a:rPr lang="en-US"/>
               <a:t>Click to edit Master title style</a:t>
             </a:r>
-            <a:endParaRPr lang="en-US"/>
           </a:p>
         </p:txBody>
       </p:sp>
@@ -1481,38 +1462,37 @@
           <a:p>
             <a:pPr lvl="0"/>
             <a:r>
-              <a:rPr lang="en-US" smtClean="0"/>
+              <a:rPr lang="en-US"/>
               <a:t>Click to edit Master text styles</a:t>
             </a:r>
           </a:p>
           <a:p>
             <a:pPr lvl="1"/>
             <a:r>
-              <a:rPr lang="en-US" smtClean="0"/>
+              <a:rPr lang="en-US"/>
               <a:t>Second level</a:t>
             </a:r>
           </a:p>
           <a:p>
             <a:pPr lvl="2"/>
             <a:r>
-              <a:rPr lang="en-US" smtClean="0"/>
+              <a:rPr lang="en-US"/>
               <a:t>Third level</a:t>
             </a:r>
           </a:p>
           <a:p>
             <a:pPr lvl="3"/>
             <a:r>
-              <a:rPr lang="en-US" smtClean="0"/>
+              <a:rPr lang="en-US"/>
               <a:t>Fourth level</a:t>
             </a:r>
           </a:p>
           <a:p>
             <a:pPr lvl="4"/>
             <a:r>
-              <a:rPr lang="en-US" smtClean="0"/>
+              <a:rPr lang="en-US"/>
               <a:t>Fifth level</a:t>
             </a:r>
-            <a:endParaRPr lang="en-US"/>
           </a:p>
         </p:txBody>
       </p:sp>
@@ -1575,7 +1555,7 @@
           <a:p>
             <a:pPr lvl="0"/>
             <a:r>
-              <a:rPr lang="en-US" smtClean="0"/>
+              <a:rPr lang="en-US"/>
               <a:t>Click to edit Master text styles</a:t>
             </a:r>
           </a:p>
@@ -1598,7 +1578,7 @@
           <a:p>
             <a:fld id="{6E5077B5-BB57-49DB-88CA-226A139E5C01}" type="datetime1">
               <a:rPr lang="en-US" smtClean="0"/>
-              <a:t>11/15/2015</a:t>
+              <a:t>11/4/2016</a:t>
             </a:fld>
             <a:endParaRPr lang="en-US"/>
           </a:p>
@@ -1701,10 +1681,9 @@
           </a:lstStyle>
           <a:p>
             <a:r>
-              <a:rPr lang="en-US" smtClean="0"/>
+              <a:rPr lang="en-US"/>
               <a:t>Click to edit Master title style</a:t>
             </a:r>
-            <a:endParaRPr lang="en-US"/>
           </a:p>
         </p:txBody>
       </p:sp>
@@ -1828,7 +1807,7 @@
           <a:p>
             <a:pPr lvl="0"/>
             <a:r>
-              <a:rPr lang="en-US" smtClean="0"/>
+              <a:rPr lang="en-US"/>
               <a:t>Click to edit Master text styles</a:t>
             </a:r>
           </a:p>
@@ -1851,7 +1830,7 @@
           <a:p>
             <a:fld id="{C48D9447-CBD6-49A1-89FD-8512A8CF8999}" type="datetime1">
               <a:rPr lang="en-US" smtClean="0"/>
-              <a:t>11/15/2015</a:t>
+              <a:t>11/4/2016</a:t>
             </a:fld>
             <a:endParaRPr lang="en-US"/>
           </a:p>
@@ -1945,10 +1924,9 @@
           <a:lstStyle/>
           <a:p>
             <a:r>
-              <a:rPr lang="en-US" smtClean="0"/>
+              <a:rPr lang="en-US"/>
               <a:t>Click to edit Master title style</a:t>
             </a:r>
-            <a:endParaRPr lang="en-US"/>
           </a:p>
         </p:txBody>
       </p:sp>
@@ -1969,38 +1947,37 @@
           <a:p>
             <a:pPr lvl="0"/>
             <a:r>
-              <a:rPr lang="en-US" smtClean="0"/>
+              <a:rPr lang="en-US"/>
               <a:t>Click to edit Master text styles</a:t>
             </a:r>
           </a:p>
           <a:p>
             <a:pPr lvl="1"/>
             <a:r>
-              <a:rPr lang="en-US" smtClean="0"/>
+              <a:rPr lang="en-US"/>
               <a:t>Second level</a:t>
             </a:r>
           </a:p>
           <a:p>
             <a:pPr lvl="2"/>
             <a:r>
-              <a:rPr lang="en-US" smtClean="0"/>
+              <a:rPr lang="en-US"/>
               <a:t>Third level</a:t>
             </a:r>
           </a:p>
           <a:p>
             <a:pPr lvl="3"/>
             <a:r>
-              <a:rPr lang="en-US" smtClean="0"/>
+              <a:rPr lang="en-US"/>
               <a:t>Fourth level</a:t>
             </a:r>
           </a:p>
           <a:p>
             <a:pPr lvl="4"/>
             <a:r>
-              <a:rPr lang="en-US" smtClean="0"/>
+              <a:rPr lang="en-US"/>
               <a:t>Fifth level</a:t>
             </a:r>
-            <a:endParaRPr lang="en-US"/>
           </a:p>
         </p:txBody>
       </p:sp>
@@ -2021,7 +1998,7 @@
           <a:p>
             <a:fld id="{A3639A2A-823D-48B7-9ACE-7FAF42870BA9}" type="datetime1">
               <a:rPr lang="en-US" smtClean="0"/>
-              <a:t>11/15/2015</a:t>
+              <a:t>11/4/2016</a:t>
             </a:fld>
             <a:endParaRPr lang="en-US"/>
           </a:p>
@@ -2120,10 +2097,9 @@
           <a:lstStyle/>
           <a:p>
             <a:r>
-              <a:rPr lang="en-US" smtClean="0"/>
+              <a:rPr lang="en-US"/>
               <a:t>Click to edit Master title style</a:t>
             </a:r>
-            <a:endParaRPr lang="en-US"/>
           </a:p>
         </p:txBody>
       </p:sp>
@@ -2149,38 +2125,37 @@
           <a:p>
             <a:pPr lvl="0"/>
             <a:r>
-              <a:rPr lang="en-US" smtClean="0"/>
+              <a:rPr lang="en-US"/>
               <a:t>Click to edit Master text styles</a:t>
             </a:r>
           </a:p>
           <a:p>
             <a:pPr lvl="1"/>
             <a:r>
-              <a:rPr lang="en-US" smtClean="0"/>
+              <a:rPr lang="en-US"/>
               <a:t>Second level</a:t>
             </a:r>
           </a:p>
           <a:p>
             <a:pPr lvl="2"/>
             <a:r>
-              <a:rPr lang="en-US" smtClean="0"/>
+              <a:rPr lang="en-US"/>
               <a:t>Third level</a:t>
             </a:r>
           </a:p>
           <a:p>
             <a:pPr lvl="3"/>
             <a:r>
-              <a:rPr lang="en-US" smtClean="0"/>
+              <a:rPr lang="en-US"/>
               <a:t>Fourth level</a:t>
             </a:r>
           </a:p>
           <a:p>
             <a:pPr lvl="4"/>
             <a:r>
-              <a:rPr lang="en-US" smtClean="0"/>
+              <a:rPr lang="en-US"/>
               <a:t>Fifth level</a:t>
             </a:r>
-            <a:endParaRPr lang="en-US"/>
           </a:p>
         </p:txBody>
       </p:sp>
@@ -2201,7 +2176,7 @@
           <a:p>
             <a:fld id="{ED1B6996-82E9-463C-972C-7B56056E426C}" type="datetime1">
               <a:rPr lang="en-US" smtClean="0"/>
-              <a:t>11/15/2015</a:t>
+              <a:t>11/4/2016</a:t>
             </a:fld>
             <a:endParaRPr lang="en-US"/>
           </a:p>
@@ -2259,13 +2234,6 @@
   <p:clrMapOvr>
     <a:masterClrMapping/>
   </p:clrMapOvr>
-  <p:timing>
-    <p:tnLst>
-      <p:par>
-        <p:cTn id="1" dur="indefinite" restart="never" nodeType="tmRoot"/>
-      </p:par>
-    </p:tnLst>
-  </p:timing>
 </p:sldLayout>
 </file>
 
@@ -2308,10 +2276,9 @@
           <a:lstStyle/>
           <a:p>
             <a:r>
-              <a:rPr lang="en-US" dirty="0" smtClean="0"/>
+              <a:rPr lang="en-US" dirty="0"/>
               <a:t>Click to edit Master title style</a:t>
             </a:r>
-            <a:endParaRPr lang="en-US" dirty="0"/>
           </a:p>
         </p:txBody>
       </p:sp>
@@ -2332,38 +2299,37 @@
           <a:p>
             <a:pPr lvl="0"/>
             <a:r>
-              <a:rPr lang="en-US" smtClean="0"/>
+              <a:rPr lang="en-US"/>
               <a:t>Click to edit Master text styles</a:t>
             </a:r>
           </a:p>
           <a:p>
             <a:pPr lvl="1"/>
             <a:r>
-              <a:rPr lang="en-US" smtClean="0"/>
+              <a:rPr lang="en-US"/>
               <a:t>Second level</a:t>
             </a:r>
           </a:p>
           <a:p>
             <a:pPr lvl="2"/>
             <a:r>
-              <a:rPr lang="en-US" smtClean="0"/>
+              <a:rPr lang="en-US"/>
               <a:t>Third level</a:t>
             </a:r>
           </a:p>
           <a:p>
             <a:pPr lvl="3"/>
             <a:r>
-              <a:rPr lang="en-US" smtClean="0"/>
+              <a:rPr lang="en-US"/>
               <a:t>Fourth level</a:t>
             </a:r>
           </a:p>
           <a:p>
             <a:pPr lvl="4"/>
             <a:r>
-              <a:rPr lang="en-US" smtClean="0"/>
+              <a:rPr lang="en-US"/>
               <a:t>Fifth level</a:t>
             </a:r>
-            <a:endParaRPr lang="en-US"/>
           </a:p>
         </p:txBody>
       </p:sp>
@@ -2384,7 +2350,7 @@
           <a:p>
             <a:fld id="{E22ED4DA-448D-4BB1-B935-CC112220207B}" type="datetime1">
               <a:rPr lang="en-US" smtClean="0"/>
-              <a:t>11/15/2015</a:t>
+              <a:t>11/4/2016</a:t>
             </a:fld>
             <a:endParaRPr lang="en-US"/>
           </a:p>
@@ -2442,13 +2408,6 @@
   <p:clrMapOvr>
     <a:masterClrMapping/>
   </p:clrMapOvr>
-  <p:timing>
-    <p:tnLst>
-      <p:par>
-        <p:cTn id="1" dur="indefinite" restart="never" nodeType="tmRoot"/>
-      </p:par>
-    </p:tnLst>
-  </p:timing>
 </p:sldLayout>
 </file>
 
@@ -2485,10 +2444,9 @@
           <a:lstStyle/>
           <a:p>
             <a:r>
-              <a:rPr lang="en-US" smtClean="0"/>
+              <a:rPr lang="en-US"/>
               <a:t>Click to edit Master title style</a:t>
             </a:r>
-            <a:endParaRPr lang="en-US"/>
           </a:p>
         </p:txBody>
       </p:sp>
@@ -2514,38 +2472,37 @@
           <a:p>
             <a:pPr lvl="0"/>
             <a:r>
-              <a:rPr lang="en-US" dirty="0" smtClean="0"/>
+              <a:rPr lang="en-US" dirty="0"/>
               <a:t>Click to edit Master text styles</a:t>
             </a:r>
           </a:p>
           <a:p>
             <a:pPr lvl="1"/>
             <a:r>
-              <a:rPr lang="en-US" dirty="0" smtClean="0"/>
+              <a:rPr lang="en-US" dirty="0"/>
               <a:t>Second level</a:t>
             </a:r>
           </a:p>
           <a:p>
             <a:pPr lvl="2"/>
             <a:r>
-              <a:rPr lang="en-US" dirty="0" smtClean="0"/>
+              <a:rPr lang="en-US" dirty="0"/>
               <a:t>Third level</a:t>
             </a:r>
           </a:p>
           <a:p>
             <a:pPr lvl="3"/>
             <a:r>
-              <a:rPr lang="en-US" dirty="0" smtClean="0"/>
+              <a:rPr lang="en-US" dirty="0"/>
               <a:t>Fourth level</a:t>
             </a:r>
           </a:p>
           <a:p>
             <a:pPr lvl="4"/>
             <a:r>
-              <a:rPr lang="en-US" dirty="0" smtClean="0"/>
+              <a:rPr lang="en-US" dirty="0"/>
               <a:t>Fifth level</a:t>
             </a:r>
-            <a:endParaRPr lang="en-US" dirty="0"/>
           </a:p>
         </p:txBody>
       </p:sp>
@@ -2566,7 +2523,7 @@
           <a:p>
             <a:fld id="{E22ED4DA-448D-4BB1-B935-CC112220207B}" type="datetime1">
               <a:rPr lang="en-US" smtClean="0"/>
-              <a:t>11/15/2015</a:t>
+              <a:t>11/4/2016</a:t>
             </a:fld>
             <a:endParaRPr lang="en-US"/>
           </a:p>
@@ -2656,7 +2613,7 @@
           <a:lstStyle/>
           <a:p>
             <a:pPr algn="ctr"/>
-            <a:endParaRPr lang="en-US" dirty="0" smtClean="0">
+            <a:endParaRPr lang="en-US" dirty="0">
               <a:solidFill>
                 <a:schemeClr val="tx1"/>
               </a:solidFill>
@@ -2687,11 +2644,11 @@
           <a:lstStyle/>
           <a:p>
             <a:r>
-              <a:rPr lang="en-US" dirty="0" smtClean="0"/>
+              <a:rPr lang="en-US" dirty="0"/>
               <a:t>Resize video to this</a:t>
             </a:r>
             <a:r>
-              <a:rPr lang="en-US" baseline="0" dirty="0" smtClean="0"/>
+              <a:rPr lang="en-US" baseline="0" dirty="0"/>
               <a:t> box.</a:t>
             </a:r>
             <a:endParaRPr lang="en-US" dirty="0"/>
@@ -2708,13 +2665,6 @@
   <p:clrMapOvr>
     <a:masterClrMapping/>
   </p:clrMapOvr>
-  <p:timing>
-    <p:tnLst>
-      <p:par>
-        <p:cTn id="1" dur="indefinite" restart="never" nodeType="tmRoot"/>
-      </p:par>
-    </p:tnLst>
-  </p:timing>
 </p:sldLayout>
 </file>
 
@@ -2751,10 +2701,9 @@
           <a:lstStyle/>
           <a:p>
             <a:r>
-              <a:rPr lang="en-US" smtClean="0"/>
+              <a:rPr lang="en-US"/>
               <a:t>Click to edit Master title style</a:t>
             </a:r>
-            <a:endParaRPr lang="en-US"/>
           </a:p>
         </p:txBody>
       </p:sp>
@@ -2783,38 +2732,37 @@
           <a:p>
             <a:pPr lvl="0"/>
             <a:r>
-              <a:rPr lang="en-US" dirty="0" smtClean="0"/>
+              <a:rPr lang="en-US" dirty="0"/>
               <a:t>Click to edit Master text styles</a:t>
             </a:r>
           </a:p>
           <a:p>
             <a:pPr lvl="1"/>
             <a:r>
-              <a:rPr lang="en-US" dirty="0" smtClean="0"/>
+              <a:rPr lang="en-US" dirty="0"/>
               <a:t>Second level</a:t>
             </a:r>
           </a:p>
           <a:p>
             <a:pPr lvl="2"/>
             <a:r>
-              <a:rPr lang="en-US" dirty="0" smtClean="0"/>
+              <a:rPr lang="en-US" dirty="0"/>
               <a:t>Third level</a:t>
             </a:r>
           </a:p>
           <a:p>
             <a:pPr lvl="3"/>
             <a:r>
-              <a:rPr lang="en-US" dirty="0" smtClean="0"/>
+              <a:rPr lang="en-US" dirty="0"/>
               <a:t>Fourth level</a:t>
             </a:r>
           </a:p>
           <a:p>
             <a:pPr lvl="4"/>
             <a:r>
-              <a:rPr lang="en-US" dirty="0" smtClean="0"/>
+              <a:rPr lang="en-US" dirty="0"/>
               <a:t>Fifth level</a:t>
             </a:r>
-            <a:endParaRPr lang="en-US" dirty="0"/>
           </a:p>
         </p:txBody>
       </p:sp>
@@ -2835,7 +2783,7 @@
           <a:p>
             <a:fld id="{FF5D65A6-AB94-4435-B0B7-3743215FA46C}" type="datetime1">
               <a:rPr lang="en-US" smtClean="0"/>
-              <a:t>11/15/2015</a:t>
+              <a:t>11/4/2016</a:t>
             </a:fld>
             <a:endParaRPr lang="en-US"/>
           </a:p>
@@ -2893,13 +2841,6 @@
   <p:clrMapOvr>
     <a:masterClrMapping/>
   </p:clrMapOvr>
-  <p:timing>
-    <p:tnLst>
-      <p:par>
-        <p:cTn id="1" dur="indefinite" restart="never" nodeType="tmRoot"/>
-      </p:par>
-    </p:tnLst>
-  </p:timing>
 </p:sldLayout>
 </file>
 
@@ -2936,10 +2877,9 @@
           <a:lstStyle/>
           <a:p>
             <a:r>
-              <a:rPr lang="en-US" smtClean="0"/>
+              <a:rPr lang="en-US"/>
               <a:t>Click to edit Master title style</a:t>
             </a:r>
-            <a:endParaRPr lang="en-US"/>
           </a:p>
         </p:txBody>
       </p:sp>
@@ -2997,38 +2937,37 @@
           <a:p>
             <a:pPr lvl="0"/>
             <a:r>
-              <a:rPr lang="en-US" dirty="0" smtClean="0"/>
+              <a:rPr lang="en-US" dirty="0"/>
               <a:t>Click to edit Master text styles</a:t>
             </a:r>
           </a:p>
           <a:p>
             <a:pPr lvl="1"/>
             <a:r>
-              <a:rPr lang="en-US" dirty="0" smtClean="0"/>
+              <a:rPr lang="en-US" dirty="0"/>
               <a:t>Second level</a:t>
             </a:r>
           </a:p>
           <a:p>
             <a:pPr lvl="2"/>
             <a:r>
-              <a:rPr lang="en-US" dirty="0" smtClean="0"/>
+              <a:rPr lang="en-US" dirty="0"/>
               <a:t>Third level</a:t>
             </a:r>
           </a:p>
           <a:p>
             <a:pPr lvl="3"/>
             <a:r>
-              <a:rPr lang="en-US" dirty="0" smtClean="0"/>
+              <a:rPr lang="en-US" dirty="0"/>
               <a:t>Fourth level</a:t>
             </a:r>
           </a:p>
           <a:p>
             <a:pPr lvl="4"/>
             <a:r>
-              <a:rPr lang="en-US" dirty="0" smtClean="0"/>
+              <a:rPr lang="en-US" dirty="0"/>
               <a:t>Fifth level</a:t>
             </a:r>
-            <a:endParaRPr lang="en-US" dirty="0"/>
           </a:p>
         </p:txBody>
       </p:sp>
@@ -3086,38 +3025,37 @@
           <a:p>
             <a:pPr lvl="0"/>
             <a:r>
-              <a:rPr lang="en-US" dirty="0" smtClean="0"/>
+              <a:rPr lang="en-US" dirty="0"/>
               <a:t>Click to edit Master text styles</a:t>
             </a:r>
           </a:p>
           <a:p>
             <a:pPr lvl="1"/>
             <a:r>
-              <a:rPr lang="en-US" dirty="0" smtClean="0"/>
+              <a:rPr lang="en-US" dirty="0"/>
               <a:t>Second level</a:t>
             </a:r>
           </a:p>
           <a:p>
             <a:pPr lvl="2"/>
             <a:r>
-              <a:rPr lang="en-US" dirty="0" smtClean="0"/>
+              <a:rPr lang="en-US" dirty="0"/>
               <a:t>Third level</a:t>
             </a:r>
           </a:p>
           <a:p>
             <a:pPr lvl="3"/>
             <a:r>
-              <a:rPr lang="en-US" dirty="0" smtClean="0"/>
+              <a:rPr lang="en-US" dirty="0"/>
               <a:t>Fourth level</a:t>
             </a:r>
           </a:p>
           <a:p>
             <a:pPr lvl="4"/>
             <a:r>
-              <a:rPr lang="en-US" dirty="0" smtClean="0"/>
+              <a:rPr lang="en-US" dirty="0"/>
               <a:t>Fifth level</a:t>
             </a:r>
-            <a:endParaRPr lang="en-US" dirty="0"/>
           </a:p>
         </p:txBody>
       </p:sp>
@@ -3138,7 +3076,7 @@
           <a:p>
             <a:fld id="{5D1846AD-9252-4647-9435-4C2AC365653A}" type="datetime1">
               <a:rPr lang="en-US" smtClean="0"/>
-              <a:t>11/15/2015</a:t>
+              <a:t>11/4/2016</a:t>
             </a:fld>
             <a:endParaRPr lang="en-US"/>
           </a:p>
@@ -3232,10 +3170,9 @@
           <a:lstStyle/>
           <a:p>
             <a:r>
-              <a:rPr lang="en-US" smtClean="0"/>
+              <a:rPr lang="en-US"/>
               <a:t>Click to edit Master title style</a:t>
             </a:r>
-            <a:endParaRPr lang="en-US"/>
           </a:p>
         </p:txBody>
       </p:sp>
@@ -3264,38 +3201,37 @@
           <a:p>
             <a:pPr lvl="0"/>
             <a:r>
-              <a:rPr lang="en-US" dirty="0" smtClean="0"/>
+              <a:rPr lang="en-US" dirty="0"/>
               <a:t>Click to edit Master text styles</a:t>
             </a:r>
           </a:p>
           <a:p>
             <a:pPr lvl="1"/>
             <a:r>
-              <a:rPr lang="en-US" dirty="0" smtClean="0"/>
+              <a:rPr lang="en-US" dirty="0"/>
               <a:t>Second level</a:t>
             </a:r>
           </a:p>
           <a:p>
             <a:pPr lvl="2"/>
             <a:r>
-              <a:rPr lang="en-US" dirty="0" smtClean="0"/>
+              <a:rPr lang="en-US" dirty="0"/>
               <a:t>Third level</a:t>
             </a:r>
           </a:p>
           <a:p>
             <a:pPr lvl="3"/>
             <a:r>
-              <a:rPr lang="en-US" dirty="0" smtClean="0"/>
+              <a:rPr lang="en-US" dirty="0"/>
               <a:t>Fourth level</a:t>
             </a:r>
           </a:p>
           <a:p>
             <a:pPr lvl="4"/>
             <a:r>
-              <a:rPr lang="en-US" dirty="0" smtClean="0"/>
+              <a:rPr lang="en-US" dirty="0"/>
               <a:t>Fifth level</a:t>
             </a:r>
-            <a:endParaRPr lang="en-US" dirty="0"/>
           </a:p>
         </p:txBody>
       </p:sp>
@@ -3316,7 +3252,7 @@
           <a:p>
             <a:fld id="{FF5D65A6-AB94-4435-B0B7-3743215FA46C}" type="datetime1">
               <a:rPr lang="en-US" smtClean="0"/>
-              <a:t>11/15/2015</a:t>
+              <a:t>11/4/2016</a:t>
             </a:fld>
             <a:endParaRPr lang="en-US"/>
           </a:p>
@@ -3423,13 +3359,6 @@
   <p:clrMapOvr>
     <a:masterClrMapping/>
   </p:clrMapOvr>
-  <p:timing>
-    <p:tnLst>
-      <p:par>
-        <p:cTn id="1" dur="indefinite" restart="never" nodeType="tmRoot"/>
-      </p:par>
-    </p:tnLst>
-  </p:timing>
 </p:sldLayout>
 </file>
 
@@ -3475,10 +3404,9 @@
           </a:lstStyle>
           <a:p>
             <a:r>
-              <a:rPr lang="en-US" smtClean="0"/>
+              <a:rPr lang="en-US"/>
               <a:t>Click to edit Master title style</a:t>
             </a:r>
-            <a:endParaRPr lang="en-US"/>
           </a:p>
         </p:txBody>
       </p:sp>
@@ -3595,7 +3523,7 @@
           <a:p>
             <a:pPr lvl="0"/>
             <a:r>
-              <a:rPr lang="en-US" smtClean="0"/>
+              <a:rPr lang="en-US"/>
               <a:t>Click to edit Master text styles</a:t>
             </a:r>
           </a:p>
@@ -3618,7 +3546,7 @@
           <a:p>
             <a:fld id="{7C193DC4-6EF0-48C9-B29C-616106A645E1}" type="datetime1">
               <a:rPr lang="en-US" smtClean="0"/>
-              <a:t>11/15/2015</a:t>
+              <a:t>11/4/2016</a:t>
             </a:fld>
             <a:endParaRPr lang="en-US"/>
           </a:p>
@@ -3712,10 +3640,9 @@
           <a:lstStyle/>
           <a:p>
             <a:r>
-              <a:rPr lang="en-US" smtClean="0"/>
+              <a:rPr lang="en-US"/>
               <a:t>Click to edit Master title style</a:t>
             </a:r>
-            <a:endParaRPr lang="en-US"/>
           </a:p>
         </p:txBody>
       </p:sp>
@@ -3769,38 +3696,37 @@
           <a:p>
             <a:pPr lvl="0"/>
             <a:r>
-              <a:rPr lang="en-US" smtClean="0"/>
+              <a:rPr lang="en-US"/>
               <a:t>Click to edit Master text styles</a:t>
             </a:r>
           </a:p>
           <a:p>
             <a:pPr lvl="1"/>
             <a:r>
-              <a:rPr lang="en-US" smtClean="0"/>
+              <a:rPr lang="en-US"/>
               <a:t>Second level</a:t>
             </a:r>
           </a:p>
           <a:p>
             <a:pPr lvl="2"/>
             <a:r>
-              <a:rPr lang="en-US" smtClean="0"/>
+              <a:rPr lang="en-US"/>
               <a:t>Third level</a:t>
             </a:r>
           </a:p>
           <a:p>
             <a:pPr lvl="3"/>
             <a:r>
-              <a:rPr lang="en-US" smtClean="0"/>
+              <a:rPr lang="en-US"/>
               <a:t>Fourth level</a:t>
             </a:r>
           </a:p>
           <a:p>
             <a:pPr lvl="4"/>
             <a:r>
-              <a:rPr lang="en-US" smtClean="0"/>
+              <a:rPr lang="en-US"/>
               <a:t>Fifth level</a:t>
             </a:r>
-            <a:endParaRPr lang="en-US"/>
           </a:p>
         </p:txBody>
       </p:sp>
@@ -3854,38 +3780,37 @@
           <a:p>
             <a:pPr lvl="0"/>
             <a:r>
-              <a:rPr lang="en-US" smtClean="0"/>
+              <a:rPr lang="en-US"/>
               <a:t>Click to edit Master text styles</a:t>
             </a:r>
           </a:p>
           <a:p>
             <a:pPr lvl="1"/>
             <a:r>
-              <a:rPr lang="en-US" smtClean="0"/>
+              <a:rPr lang="en-US"/>
               <a:t>Second level</a:t>
             </a:r>
           </a:p>
           <a:p>
             <a:pPr lvl="2"/>
             <a:r>
-              <a:rPr lang="en-US" smtClean="0"/>
+              <a:rPr lang="en-US"/>
               <a:t>Third level</a:t>
             </a:r>
           </a:p>
           <a:p>
             <a:pPr lvl="3"/>
             <a:r>
-              <a:rPr lang="en-US" smtClean="0"/>
+              <a:rPr lang="en-US"/>
               <a:t>Fourth level</a:t>
             </a:r>
           </a:p>
           <a:p>
             <a:pPr lvl="4"/>
             <a:r>
-              <a:rPr lang="en-US" smtClean="0"/>
+              <a:rPr lang="en-US"/>
               <a:t>Fifth level</a:t>
             </a:r>
-            <a:endParaRPr lang="en-US"/>
           </a:p>
         </p:txBody>
       </p:sp>
@@ -3906,7 +3831,7 @@
           <a:p>
             <a:fld id="{5D1846AD-9252-4647-9435-4C2AC365653A}" type="datetime1">
               <a:rPr lang="en-US" smtClean="0"/>
-              <a:t>11/15/2015</a:t>
+              <a:t>11/4/2016</a:t>
             </a:fld>
             <a:endParaRPr lang="en-US"/>
           </a:p>
@@ -4004,10 +3929,9 @@
           </a:lstStyle>
           <a:p>
             <a:r>
-              <a:rPr lang="en-US" smtClean="0"/>
+              <a:rPr lang="en-US"/>
               <a:t>Click to edit Master title style</a:t>
             </a:r>
-            <a:endParaRPr lang="en-US"/>
           </a:p>
         </p:txBody>
       </p:sp>
@@ -4070,7 +3994,7 @@
           <a:p>
             <a:pPr lvl="0"/>
             <a:r>
-              <a:rPr lang="en-US" smtClean="0"/>
+              <a:rPr lang="en-US"/>
               <a:t>Click to edit Master text styles</a:t>
             </a:r>
           </a:p>
@@ -4126,38 +4050,37 @@
           <a:p>
             <a:pPr lvl="0"/>
             <a:r>
-              <a:rPr lang="en-US" smtClean="0"/>
+              <a:rPr lang="en-US"/>
               <a:t>Click to edit Master text styles</a:t>
             </a:r>
           </a:p>
           <a:p>
             <a:pPr lvl="1"/>
             <a:r>
-              <a:rPr lang="en-US" smtClean="0"/>
+              <a:rPr lang="en-US"/>
               <a:t>Second level</a:t>
             </a:r>
           </a:p>
           <a:p>
             <a:pPr lvl="2"/>
             <a:r>
-              <a:rPr lang="en-US" smtClean="0"/>
+              <a:rPr lang="en-US"/>
               <a:t>Third level</a:t>
             </a:r>
           </a:p>
           <a:p>
             <a:pPr lvl="3"/>
             <a:r>
-              <a:rPr lang="en-US" smtClean="0"/>
+              <a:rPr lang="en-US"/>
               <a:t>Fourth level</a:t>
             </a:r>
           </a:p>
           <a:p>
             <a:pPr lvl="4"/>
             <a:r>
-              <a:rPr lang="en-US" smtClean="0"/>
+              <a:rPr lang="en-US"/>
               <a:t>Fifth level</a:t>
             </a:r>
-            <a:endParaRPr lang="en-US"/>
           </a:p>
         </p:txBody>
       </p:sp>
@@ -4220,7 +4143,7 @@
           <a:p>
             <a:pPr lvl="0"/>
             <a:r>
-              <a:rPr lang="en-US" smtClean="0"/>
+              <a:rPr lang="en-US"/>
               <a:t>Click to edit Master text styles</a:t>
             </a:r>
           </a:p>
@@ -4276,38 +4199,37 @@
           <a:p>
             <a:pPr lvl="0"/>
             <a:r>
-              <a:rPr lang="en-US" smtClean="0"/>
+              <a:rPr lang="en-US"/>
               <a:t>Click to edit Master text styles</a:t>
             </a:r>
           </a:p>
           <a:p>
             <a:pPr lvl="1"/>
             <a:r>
-              <a:rPr lang="en-US" smtClean="0"/>
+              <a:rPr lang="en-US"/>
               <a:t>Second level</a:t>
             </a:r>
           </a:p>
           <a:p>
             <a:pPr lvl="2"/>
             <a:r>
-              <a:rPr lang="en-US" smtClean="0"/>
+              <a:rPr lang="en-US"/>
               <a:t>Third level</a:t>
             </a:r>
           </a:p>
           <a:p>
             <a:pPr lvl="3"/>
             <a:r>
-              <a:rPr lang="en-US" smtClean="0"/>
+              <a:rPr lang="en-US"/>
               <a:t>Fourth level</a:t>
             </a:r>
           </a:p>
           <a:p>
             <a:pPr lvl="4"/>
             <a:r>
-              <a:rPr lang="en-US" smtClean="0"/>
+              <a:rPr lang="en-US"/>
               <a:t>Fifth level</a:t>
             </a:r>
-            <a:endParaRPr lang="en-US"/>
           </a:p>
         </p:txBody>
       </p:sp>
@@ -4328,7 +4250,7 @@
           <a:p>
             <a:fld id="{CE56DC10-3561-4063-A6AF-C1CC7A41040A}" type="datetime1">
               <a:rPr lang="en-US" smtClean="0"/>
-              <a:t>11/15/2015</a:t>
+              <a:t>11/4/2016</a:t>
             </a:fld>
             <a:endParaRPr lang="en-US"/>
           </a:p>
@@ -4449,10 +4371,9 @@
           <a:lstStyle/>
           <a:p>
             <a:r>
-              <a:rPr lang="en-US" smtClean="0"/>
+              <a:rPr lang="en-US"/>
               <a:t>Click to edit Master title style</a:t>
             </a:r>
-            <a:endParaRPr lang="en-US"/>
           </a:p>
         </p:txBody>
       </p:sp>
@@ -4483,38 +4404,37 @@
           <a:p>
             <a:pPr lvl="0"/>
             <a:r>
-              <a:rPr lang="en-US" smtClean="0"/>
+              <a:rPr lang="en-US"/>
               <a:t>Click to edit Master text styles</a:t>
             </a:r>
           </a:p>
           <a:p>
             <a:pPr lvl="1"/>
             <a:r>
-              <a:rPr lang="en-US" smtClean="0"/>
+              <a:rPr lang="en-US"/>
               <a:t>Second level</a:t>
             </a:r>
           </a:p>
           <a:p>
             <a:pPr lvl="2"/>
             <a:r>
-              <a:rPr lang="en-US" smtClean="0"/>
+              <a:rPr lang="en-US"/>
               <a:t>Third level</a:t>
             </a:r>
           </a:p>
           <a:p>
             <a:pPr lvl="3"/>
             <a:r>
-              <a:rPr lang="en-US" smtClean="0"/>
+              <a:rPr lang="en-US"/>
               <a:t>Fourth level</a:t>
             </a:r>
           </a:p>
           <a:p>
             <a:pPr lvl="4"/>
             <a:r>
-              <a:rPr lang="en-US" smtClean="0"/>
+              <a:rPr lang="en-US"/>
               <a:t>Fifth level</a:t>
             </a:r>
-            <a:endParaRPr lang="en-US"/>
           </a:p>
         </p:txBody>
       </p:sp>
@@ -4553,7 +4473,7 @@
           <a:p>
             <a:fld id="{02B3F677-983B-48DB-ADFD-63FE6CBC7FB2}" type="datetime1">
               <a:rPr lang="en-US" smtClean="0"/>
-              <a:t>11/15/2015</a:t>
+              <a:t>11/4/2016</a:t>
             </a:fld>
             <a:endParaRPr lang="en-US"/>
           </a:p>
@@ -4662,13 +4582,6 @@
     <p:sldLayoutId id="2147483675" r:id="rId14"/>
     <p:sldLayoutId id="2147483676" r:id="rId15"/>
   </p:sldLayoutIdLst>
-  <p:timing>
-    <p:tnLst>
-      <p:par>
-        <p:cTn id="1" dur="indefinite" restart="never" nodeType="tmRoot"/>
-      </p:par>
-    </p:tnLst>
-  </p:timing>
   <p:hf hdr="0" ftr="0" dt="0"/>
   <p:txStyles>
     <p:titleStyle>
@@ -4956,10 +4869,9 @@
           <a:lstStyle/>
           <a:p>
             <a:r>
-              <a:rPr lang="en-US" dirty="0" smtClean="0"/>
+              <a:rPr lang="en-US" dirty="0"/>
               <a:t>Converting from Immutable to Mutable Objects</a:t>
             </a:r>
-            <a:endParaRPr lang="en-US" dirty="0"/>
           </a:p>
         </p:txBody>
       </p:sp>
@@ -5000,11 +4912,7 @@
           <a:p>
             <a:r>
               <a:rPr lang="en-US"/>
-              <a:t>Lesson </a:t>
-            </a:r>
-            <a:r>
-              <a:rPr lang="en-US" smtClean="0"/>
-              <a:t>10.4</a:t>
+              <a:t>Lesson 10.4</a:t>
             </a:r>
             <a:endParaRPr lang="en-US" dirty="0"/>
           </a:p>
@@ -5101,27 +5009,13 @@
             <a:p>
               <a:r>
                 <a:rPr lang="en-US" sz="1000" dirty="0"/>
-                <a:t>© Mitchell Wand, </a:t>
-              </a:r>
-              <a:r>
-                <a:rPr lang="en-US" sz="1000" dirty="0" smtClean="0"/>
-                <a:t>2012-2014</a:t>
+                <a:t>© Mitchell Wand, 2012-2014</a:t>
               </a:r>
             </a:p>
             <a:p>
               <a:r>
-                <a:rPr lang="en-US" sz="1000" dirty="0" smtClean="0"/>
+                <a:rPr lang="en-US" sz="1000" dirty="0"/>
                 <a:t>This work is licensed under a </a:t>
-              </a:r>
-              <a:r>
-                <a:rPr lang="en-US" altLang="en-US" sz="1000" dirty="0" smtClean="0">
-                  <a:solidFill>
-                    <a:srgbClr val="4374B7"/>
-                  </a:solidFill>
-                  <a:latin typeface="Helvetica Neue"/>
-                  <a:hlinkClick r:id="rId4"/>
-                </a:rPr>
-                <a:t>Creative </a:t>
               </a:r>
               <a:r>
                 <a:rPr lang="en-US" altLang="en-US" sz="1000" dirty="0">
@@ -5131,7 +5025,7 @@
                   <a:latin typeface="Helvetica Neue"/>
                   <a:hlinkClick r:id="rId4"/>
                 </a:rPr>
-                <a:t>Commons Attribution-</a:t>
+                <a:t>Creative Commons Attribution-</a:t>
               </a:r>
               <a:r>
                 <a:rPr lang="en-US" altLang="en-US" sz="1000" dirty="0" err="1">
@@ -5154,10 +5048,9 @@
                 <a:t> 4.0 International License</a:t>
               </a:r>
               <a:r>
-                <a:rPr lang="en-US" sz="1000" dirty="0" smtClean="0"/>
+                <a:rPr lang="en-US" sz="1000" dirty="0"/>
                 <a:t>.</a:t>
               </a:r>
-              <a:endParaRPr lang="en-US" sz="1000" dirty="0"/>
             </a:p>
           </p:txBody>
         </p:sp>
@@ -5172,13 +5065,6 @@
   <p:clrMapOvr>
     <a:masterClrMapping/>
   </p:clrMapOvr>
-  <p:timing>
-    <p:tnLst>
-      <p:par>
-        <p:cTn id="1" dur="indefinite" restart="never" nodeType="tmRoot"/>
-      </p:par>
-    </p:tnLst>
-  </p:timing>
 </p:sld>
 </file>
 
@@ -5217,19 +5103,19 @@
           <a:lstStyle/>
           <a:p>
             <a:r>
-              <a:rPr lang="en-US" dirty="0" smtClean="0"/>
+              <a:rPr lang="en-US" dirty="0"/>
               <a:t>We modify </a:t>
             </a:r>
             <a:r>
-              <a:rPr lang="en-US" dirty="0" err="1" smtClean="0"/>
+              <a:rPr lang="en-US" dirty="0" err="1"/>
               <a:t>WorldState</a:t>
             </a:r>
             <a:r>
-              <a:rPr lang="en-US" dirty="0" smtClean="0"/>
+              <a:rPr lang="en-US" dirty="0"/>
               <a:t>% to deal with both Widgets and </a:t>
             </a:r>
             <a:r>
-              <a:rPr lang="en-US" dirty="0" err="1" smtClean="0"/>
+              <a:rPr lang="en-US" dirty="0" err="1"/>
               <a:t>SWidgets</a:t>
             </a:r>
             <a:endParaRPr lang="en-US" dirty="0"/>
@@ -5425,26 +5311,14 @@
           </a:p>
           <a:p>
             <a:r>
-              <a:rPr lang="en-US" dirty="0" smtClean="0"/>
-              <a:t>    </a:t>
-            </a:r>
-            <a:r>
-              <a:rPr lang="en-US" dirty="0"/>
-              <a:t>;; after-tick : -&gt; Void</a:t>
-            </a:r>
-          </a:p>
-          <a:p>
-            <a:r>
-              <a:rPr lang="en-US" dirty="0"/>
-              <a:t>    ;; </a:t>
-            </a:r>
-            <a:r>
-              <a:rPr lang="en-US" dirty="0" smtClean="0"/>
-              <a:t>STRATEGY: Use </a:t>
-            </a:r>
-            <a:r>
-              <a:rPr lang="en-US" dirty="0"/>
-              <a:t>map on the Widgets in this World; use for-each on the</a:t>
+              <a:rPr lang="en-US" dirty="0"/>
+              <a:t>    ;; after-tick : -&gt; Void</a:t>
+            </a:r>
+          </a:p>
+          <a:p>
+            <a:r>
+              <a:rPr lang="en-US" dirty="0"/>
+              <a:t>    ;; STRATEGY: Use map on the Widgets in this World; use for-each on the</a:t>
             </a:r>
           </a:p>
           <a:p>
@@ -5645,7 +5519,7 @@
           <a:p>
             <a:pPr algn="ctr"/>
             <a:r>
-              <a:rPr lang="en-US" dirty="0" smtClean="0">
+              <a:rPr lang="en-US" dirty="0">
                 <a:solidFill>
                   <a:schemeClr val="tx1"/>
                 </a:solidFill>
@@ -5653,7 +5527,7 @@
               <a:t>Other methods in </a:t>
             </a:r>
             <a:r>
-              <a:rPr lang="en-US" dirty="0" err="1" smtClean="0">
+              <a:rPr lang="en-US" dirty="0" err="1">
                 <a:solidFill>
                   <a:schemeClr val="tx1"/>
                 </a:solidFill>
@@ -5661,18 +5535,13 @@
               <a:t>WorldState</a:t>
             </a:r>
             <a:r>
-              <a:rPr lang="en-US" dirty="0" smtClean="0">
+              <a:rPr lang="en-US" dirty="0">
                 <a:solidFill>
                   <a:schemeClr val="tx1"/>
                 </a:solidFill>
               </a:rPr>
               <a:t>% modified similarly(*)</a:t>
             </a:r>
-            <a:endParaRPr lang="en-US" dirty="0">
-              <a:solidFill>
-                <a:schemeClr val="tx1"/>
-              </a:solidFill>
-            </a:endParaRPr>
           </a:p>
         </p:txBody>
       </p:sp>
@@ -5722,7 +5591,7 @@
           <a:lstStyle/>
           <a:p>
             <a:r>
-              <a:rPr lang="en-US" sz="1200" dirty="0" smtClean="0">
+              <a:rPr lang="en-US" sz="1200" dirty="0">
                 <a:solidFill>
                   <a:schemeClr val="tx1"/>
                 </a:solidFill>
@@ -5730,7 +5599,7 @@
               <a:t>(*) In the code, I actually used a HOF </a:t>
             </a:r>
             <a:r>
-              <a:rPr lang="en-US" sz="1200" b="1" dirty="0" smtClean="0">
+              <a:rPr lang="en-US" sz="1200" b="1" dirty="0">
                 <a:solidFill>
                   <a:schemeClr val="tx1"/>
                 </a:solidFill>
@@ -5738,18 +5607,13 @@
               <a:t>process-widgets</a:t>
             </a:r>
             <a:r>
-              <a:rPr lang="en-US" sz="1200" dirty="0" smtClean="0">
+              <a:rPr lang="en-US" sz="1200" dirty="0">
                 <a:solidFill>
                   <a:schemeClr val="tx1"/>
                 </a:solidFill>
               </a:rPr>
               <a:t> to avoid having to write this out several times.</a:t>
             </a:r>
-            <a:endParaRPr lang="en-US" sz="1200" dirty="0">
-              <a:solidFill>
-                <a:schemeClr val="tx1"/>
-              </a:solidFill>
-            </a:endParaRPr>
           </a:p>
         </p:txBody>
       </p:sp>
@@ -5800,7 +5664,7 @@
           <a:p>
             <a:pPr algn="ctr"/>
             <a:r>
-              <a:rPr lang="en-US" sz="1200" b="1" dirty="0" smtClean="0">
+              <a:rPr lang="en-US" sz="1200" b="1" dirty="0">
                 <a:solidFill>
                   <a:schemeClr val="tx1"/>
                 </a:solidFill>
@@ -5808,7 +5672,7 @@
               <a:t>for-each</a:t>
             </a:r>
             <a:r>
-              <a:rPr lang="en-US" sz="1200" dirty="0" smtClean="0">
+              <a:rPr lang="en-US" sz="1200" dirty="0">
                 <a:solidFill>
                   <a:schemeClr val="tx1"/>
                 </a:solidFill>
@@ -5819,7 +5683,7 @@
           <a:p>
             <a:pPr algn="ctr"/>
             <a:r>
-              <a:rPr lang="en-US" sz="1200" b="1" dirty="0" smtClean="0">
+              <a:rPr lang="en-US" sz="1200" b="1" dirty="0">
                 <a:solidFill>
                   <a:schemeClr val="tx1"/>
                 </a:solidFill>
@@ -5827,7 +5691,7 @@
               <a:t>(X -&gt; Void) </a:t>
             </a:r>
             <a:r>
-              <a:rPr lang="en-US" sz="1200" b="1" dirty="0" err="1" smtClean="0">
+              <a:rPr lang="en-US" sz="1200" b="1" dirty="0" err="1">
                 <a:solidFill>
                   <a:schemeClr val="tx1"/>
                 </a:solidFill>
@@ -5835,7 +5699,7 @@
               <a:t>ListOfX</a:t>
             </a:r>
             <a:r>
-              <a:rPr lang="en-US" sz="1200" b="1" dirty="0" smtClean="0">
+              <a:rPr lang="en-US" sz="1200" b="1" dirty="0">
                 <a:solidFill>
                   <a:schemeClr val="tx1"/>
                 </a:solidFill>
@@ -5846,18 +5710,13 @@
           <a:p>
             <a:pPr algn="ctr"/>
             <a:r>
-              <a:rPr lang="en-US" sz="1200" dirty="0" smtClean="0">
+              <a:rPr lang="en-US" sz="1200" dirty="0">
                 <a:solidFill>
                   <a:schemeClr val="tx1"/>
                 </a:solidFill>
               </a:rPr>
               <a:t>See the Racket documentation for more.</a:t>
             </a:r>
-            <a:endParaRPr lang="en-US" sz="1200" dirty="0">
-              <a:solidFill>
-                <a:schemeClr val="tx1"/>
-              </a:solidFill>
-            </a:endParaRPr>
           </a:p>
         </p:txBody>
       </p:sp>
@@ -5906,13 +5765,6 @@
   <p:clrMapOvr>
     <a:masterClrMapping/>
   </p:clrMapOvr>
-  <p:timing>
-    <p:tnLst>
-      <p:par>
-        <p:cTn id="1" dur="indefinite" restart="never" nodeType="tmRoot"/>
-      </p:par>
-    </p:tnLst>
-  </p:timing>
 </p:sld>
 </file>
 
@@ -5949,10 +5801,9 @@
           <a:lstStyle/>
           <a:p>
             <a:r>
-              <a:rPr lang="en-US" dirty="0" smtClean="0"/>
+              <a:rPr lang="en-US" dirty="0"/>
               <a:t>And we have to initialize the world</a:t>
             </a:r>
-            <a:endParaRPr lang="en-US" dirty="0"/>
           </a:p>
         </p:txBody>
       </p:sp>
@@ -6083,13 +5934,6 @@
   <p:clrMapOvr>
     <a:masterClrMapping/>
   </p:clrMapOvr>
-  <p:timing>
-    <p:tnLst>
-      <p:par>
-        <p:cTn id="1" dur="indefinite" restart="never" nodeType="tmRoot"/>
-      </p:par>
-    </p:tnLst>
-  </p:timing>
 </p:sld>
 </file>
 
@@ -6126,10 +5970,9 @@
           <a:lstStyle/>
           <a:p>
             <a:r>
-              <a:rPr lang="en-US" dirty="0" smtClean="0"/>
+              <a:rPr lang="en-US" dirty="0"/>
               <a:t>And now all's well with the world</a:t>
             </a:r>
-            <a:endParaRPr lang="en-US" dirty="0"/>
           </a:p>
         </p:txBody>
       </p:sp>
@@ -6149,27 +5992,27 @@
           <a:lstStyle/>
           <a:p>
             <a:r>
-              <a:rPr lang="en-US" dirty="0" smtClean="0"/>
+              <a:rPr lang="en-US" dirty="0"/>
               <a:t>When the wall moves, it gets mutated with set!, but it retains its identity.</a:t>
             </a:r>
           </a:p>
           <a:p>
             <a:r>
-              <a:rPr lang="en-US" dirty="0" smtClean="0"/>
+              <a:rPr lang="en-US" dirty="0"/>
               <a:t>The ball is still functional– at every tick you get a </a:t>
             </a:r>
             <a:r>
-              <a:rPr lang="en-US" b="1" dirty="0" smtClean="0"/>
+              <a:rPr lang="en-US" b="1" dirty="0"/>
               <a:t>new Ball% </a:t>
             </a:r>
             <a:r>
-              <a:rPr lang="en-US" dirty="0" smtClean="0"/>
+              <a:rPr lang="en-US" dirty="0"/>
               <a:t>, but only one wall ever gets created, and every incarnation of the ball sees it.</a:t>
             </a:r>
           </a:p>
           <a:p>
             <a:r>
-              <a:rPr lang="en-US" dirty="0" smtClean="0"/>
+              <a:rPr lang="en-US" dirty="0"/>
               <a:t>Go run 10-2B-stateful-wall.rkt</a:t>
             </a:r>
           </a:p>
@@ -6208,13 +6051,6 @@
   <p:clrMapOvr>
     <a:masterClrMapping/>
   </p:clrMapOvr>
-  <p:timing>
-    <p:tnLst>
-      <p:par>
-        <p:cTn id="1" dur="indefinite" restart="never" nodeType="tmRoot"/>
-      </p:par>
-    </p:tnLst>
-  </p:timing>
 </p:sld>
 </file>
 
@@ -6251,10 +6087,9 @@
           <a:lstStyle/>
           <a:p>
             <a:r>
-              <a:rPr lang="en-US" dirty="0" smtClean="0"/>
+              <a:rPr lang="en-US" dirty="0"/>
               <a:t>What do I write for the strategy?</a:t>
             </a:r>
-            <a:endParaRPr lang="en-US" dirty="0"/>
           </a:p>
         </p:txBody>
       </p:sp>
@@ -6276,40 +6111,23 @@
           <a:lstStyle/>
           <a:p>
             <a:r>
-              <a:rPr lang="en-US" dirty="0" smtClean="0"/>
-              <a:t>As in Week 09, </a:t>
-            </a:r>
-            <a:r>
-              <a:rPr lang="en-US" dirty="0"/>
-              <a:t>a strategy should be a tweet-sized description of how your </a:t>
-            </a:r>
-            <a:r>
-              <a:rPr lang="en-US" dirty="0" smtClean="0"/>
-              <a:t>function or method </a:t>
-            </a:r>
-            <a:r>
-              <a:rPr lang="en-US" dirty="0"/>
-              <a:t>works</a:t>
-            </a:r>
-            <a:r>
-              <a:rPr lang="en-US" dirty="0" smtClean="0"/>
-              <a:t>.</a:t>
-            </a:r>
-            <a:endParaRPr lang="en-US" dirty="0"/>
-          </a:p>
-          <a:p>
-            <a:r>
-              <a:rPr lang="en-US" dirty="0" smtClean="0"/>
+              <a:rPr lang="en-US" dirty="0"/>
+              <a:t>As in Week 09, a strategy should be a tweet-sized description of how your function or method works.</a:t>
+            </a:r>
+          </a:p>
+          <a:p>
+            <a:r>
+              <a:rPr lang="en-US" dirty="0"/>
               <a:t>Again as in Week 09, strategies are optional; write them if they are useful.</a:t>
             </a:r>
           </a:p>
           <a:p>
             <a:r>
-              <a:rPr lang="en-US" dirty="0" smtClean="0"/>
+              <a:rPr lang="en-US" dirty="0"/>
               <a:t>Look at the examples in this lesson and in </a:t>
             </a:r>
             <a:r>
-              <a:rPr lang="en-US" smtClean="0"/>
+              <a:rPr lang="en-US"/>
               <a:t>the example files.</a:t>
             </a:r>
             <a:endParaRPr lang="en-US" dirty="0"/>
@@ -6387,10 +6205,9 @@
           <a:lstStyle/>
           <a:p>
             <a:r>
-              <a:rPr lang="en-US" dirty="0" smtClean="0"/>
+              <a:rPr lang="en-US" dirty="0"/>
               <a:t>Review of Key Points for Lesson 10.4</a:t>
             </a:r>
-            <a:endParaRPr lang="en-US" dirty="0"/>
           </a:p>
         </p:txBody>
       </p:sp>
@@ -6412,19 +6229,19 @@
           <a:lstStyle/>
           <a:p>
             <a:r>
-              <a:rPr lang="en-US" dirty="0" smtClean="0">
+              <a:rPr lang="en-US" dirty="0">
                 <a:cs typeface="Consolas" pitchFamily="49" charset="0"/>
               </a:rPr>
               <a:t>We need to document our assumptions about </a:t>
             </a:r>
             <a:r>
-              <a:rPr lang="en-US" dirty="0" err="1" smtClean="0">
+              <a:rPr lang="en-US" dirty="0" err="1">
                 <a:cs typeface="Consolas" pitchFamily="49" charset="0"/>
               </a:rPr>
               <a:t>statefulness</a:t>
             </a:r>
             <a:r>
-              <a:rPr lang="en-US" dirty="0" smtClean="0">
+              <a:rPr lang="en-US" dirty="0">
                 <a:cs typeface="Consolas" pitchFamily="49" charset="0"/>
               </a:rPr>
               <a:t> in our interfaces.</a:t>
@@ -6432,7 +6249,7 @@
           </a:p>
           <a:p>
             <a:r>
-              <a:rPr lang="en-US" b="1" dirty="0" smtClean="0">
+              <a:rPr lang="en-US" b="1" dirty="0">
                 <a:latin typeface="Consolas" pitchFamily="49" charset="0"/>
                 <a:cs typeface="Consolas" pitchFamily="49" charset="0"/>
               </a:rPr>
@@ -6442,25 +6259,7 @@
               <a:rPr lang="en-US" dirty="0">
                 <a:cs typeface="Consolas" pitchFamily="49" charset="0"/>
               </a:rPr>
-              <a:t>means that the function can return any value it </a:t>
-            </a:r>
-            <a:r>
-              <a:rPr lang="en-US" dirty="0" smtClean="0">
-                <a:cs typeface="Consolas" pitchFamily="49" charset="0"/>
-              </a:rPr>
-              <a:t>wants, so </a:t>
-            </a:r>
-            <a:r>
-              <a:rPr lang="en-US" dirty="0">
-                <a:cs typeface="Consolas" pitchFamily="49" charset="0"/>
-              </a:rPr>
-              <a:t>the caller must ignore the returned </a:t>
-            </a:r>
-            <a:r>
-              <a:rPr lang="en-US" dirty="0" smtClean="0">
-                <a:cs typeface="Consolas" pitchFamily="49" charset="0"/>
-              </a:rPr>
-              <a:t>value.</a:t>
+              <a:t>means that the function can return any value it wants, so the caller must ignore the returned value.</a:t>
             </a:r>
           </a:p>
           <a:p>
@@ -6474,37 +6273,13 @@
             </a:r>
             <a:r>
               <a:rPr lang="en-US" dirty="0"/>
-              <a:t> return contract must have an </a:t>
-            </a:r>
-            <a:r>
-              <a:rPr lang="en-US" dirty="0" smtClean="0"/>
-              <a:t>EFFECT, so we must </a:t>
-            </a:r>
-            <a:r>
-              <a:rPr lang="en-US" dirty="0"/>
-              <a:t>document this as part of the purpose </a:t>
-            </a:r>
-            <a:r>
-              <a:rPr lang="en-US" dirty="0" smtClean="0"/>
-              <a:t>statement.</a:t>
-            </a:r>
-          </a:p>
-          <a:p>
-            <a:r>
-              <a:rPr lang="en-US" dirty="0" smtClean="0"/>
-              <a:t>We can transform a method definition that </a:t>
-            </a:r>
-            <a:r>
-              <a:rPr lang="en-US" dirty="0"/>
-              <a:t>produces a new </a:t>
-            </a:r>
-            <a:r>
-              <a:rPr lang="en-US" dirty="0" smtClean="0"/>
-              <a:t>object </a:t>
-            </a:r>
-            <a:r>
-              <a:rPr lang="en-US" dirty="0"/>
-              <a:t>into one that alters this object by doing a </a:t>
+              <a:t> return contract must have an EFFECT, so we must document this as part of the purpose statement.</a:t>
+            </a:r>
+          </a:p>
+          <a:p>
+            <a:r>
+              <a:rPr lang="en-US" dirty="0"/>
+              <a:t>We can transform a method definition that produces a new object into one that alters this object by doing a </a:t>
             </a:r>
             <a:r>
               <a:rPr lang="en-US" b="1" dirty="0"/>
@@ -6512,20 +6287,16 @@
             </a:r>
             <a:r>
               <a:rPr lang="en-US" dirty="0"/>
-              <a:t>on the fields that should change</a:t>
-            </a:r>
-            <a:r>
-              <a:rPr lang="en-US" dirty="0" smtClean="0"/>
-              <a:t>.</a:t>
-            </a:r>
-          </a:p>
-          <a:p>
-            <a:r>
-              <a:rPr lang="en-US" dirty="0" smtClean="0"/>
+              <a:t>on the fields that should change.</a:t>
+            </a:r>
+          </a:p>
+          <a:p>
+            <a:r>
+              <a:rPr lang="en-US" dirty="0"/>
               <a:t>This is the </a:t>
             </a:r>
             <a:r>
-              <a:rPr lang="en-US" dirty="0" smtClean="0">
+              <a:rPr lang="en-US" dirty="0">
                 <a:solidFill>
                   <a:srgbClr val="FF0000"/>
                 </a:solidFill>
@@ -6533,18 +6304,17 @@
               <a:t>only </a:t>
             </a:r>
             <a:r>
-              <a:rPr lang="en-US" dirty="0" smtClean="0"/>
+              <a:rPr lang="en-US" dirty="0"/>
               <a:t>acceptable use of </a:t>
             </a:r>
             <a:r>
-              <a:rPr lang="en-US" b="1" dirty="0" smtClean="0"/>
+              <a:rPr lang="en-US" b="1" dirty="0"/>
               <a:t>set!</a:t>
             </a:r>
             <a:r>
-              <a:rPr lang="en-US" dirty="0" smtClean="0"/>
+              <a:rPr lang="en-US" dirty="0"/>
               <a:t> in this course.  </a:t>
             </a:r>
-            <a:endParaRPr lang="en-US" dirty="0"/>
           </a:p>
           <a:p>
             <a:endParaRPr lang="en-US" dirty="0"/>
@@ -6555,7 +6325,7 @@
             </a:endParaRPr>
           </a:p>
           <a:p>
-            <a:endParaRPr lang="en-US" dirty="0" smtClean="0"/>
+            <a:endParaRPr lang="en-US" dirty="0"/>
           </a:p>
           <a:p>
             <a:pPr lvl="1"/>
@@ -6596,13 +6366,6 @@
   <p:clrMapOvr>
     <a:masterClrMapping/>
   </p:clrMapOvr>
-  <p:timing>
-    <p:tnLst>
-      <p:par>
-        <p:cTn id="1" dur="indefinite" restart="never" nodeType="tmRoot"/>
-      </p:par>
-    </p:tnLst>
-  </p:timing>
 </p:sld>
 </file>
 
@@ -6639,10 +6402,9 @@
           <a:lstStyle/>
           <a:p>
             <a:r>
-              <a:rPr lang="en-US" dirty="0" smtClean="0"/>
+              <a:rPr lang="en-US" dirty="0"/>
               <a:t>Next Steps</a:t>
             </a:r>
-            <a:endParaRPr lang="en-US" dirty="0"/>
           </a:p>
         </p:txBody>
       </p:sp>
@@ -6662,35 +6424,34 @@
           <a:lstStyle/>
           <a:p>
             <a:r>
-              <a:rPr lang="en-US" dirty="0" smtClean="0"/>
+              <a:rPr lang="en-US" dirty="0"/>
               <a:t>Study 10-2B-stateful-wall.rkt in the Examples folder.</a:t>
             </a:r>
           </a:p>
           <a:p>
             <a:r>
-              <a:rPr lang="en-US" dirty="0" smtClean="0"/>
+              <a:rPr lang="en-US" dirty="0"/>
               <a:t>If you have questions about this lesson, ask them on the Discussion Board</a:t>
             </a:r>
           </a:p>
           <a:p>
             <a:r>
-              <a:rPr lang="en-US" dirty="0" smtClean="0"/>
+              <a:rPr lang="en-US" dirty="0"/>
               <a:t>Do Guided Practice 10.1  </a:t>
             </a:r>
           </a:p>
           <a:p>
             <a:pPr lvl="1"/>
             <a:r>
-              <a:rPr lang="en-US" dirty="0" smtClean="0"/>
+              <a:rPr lang="en-US" dirty="0"/>
               <a:t>Be sure to do this one– there is new material in there.</a:t>
             </a:r>
           </a:p>
           <a:p>
             <a:r>
-              <a:rPr lang="en-US" dirty="0" smtClean="0"/>
+              <a:rPr lang="en-US" dirty="0"/>
               <a:t>Go on to the next lesson.</a:t>
             </a:r>
-            <a:endParaRPr lang="en-US" dirty="0"/>
           </a:p>
         </p:txBody>
       </p:sp>
@@ -6727,13 +6488,6 @@
   <p:clrMapOvr>
     <a:masterClrMapping/>
   </p:clrMapOvr>
-  <p:timing>
-    <p:tnLst>
-      <p:par>
-        <p:cTn id="1" dur="indefinite" restart="never" nodeType="tmRoot"/>
-      </p:par>
-    </p:tnLst>
-  </p:timing>
 </p:sld>
 </file>
 
@@ -6770,10 +6524,9 @@
           <a:lstStyle/>
           <a:p>
             <a:r>
-              <a:rPr lang="en-US" dirty="0" smtClean="0"/>
+              <a:rPr lang="en-US" dirty="0"/>
               <a:t>Key Points for Lesson 10.4</a:t>
             </a:r>
-            <a:endParaRPr lang="en-US" dirty="0"/>
           </a:p>
         </p:txBody>
       </p:sp>
@@ -6795,19 +6548,19 @@
           <a:lstStyle/>
           <a:p>
             <a:r>
-              <a:rPr lang="en-US" dirty="0" smtClean="0">
+              <a:rPr lang="en-US" dirty="0">
                 <a:cs typeface="Consolas" pitchFamily="49" charset="0"/>
               </a:rPr>
               <a:t>We need to document our assumptions about </a:t>
             </a:r>
             <a:r>
-              <a:rPr lang="en-US" dirty="0" err="1" smtClean="0">
+              <a:rPr lang="en-US" dirty="0" err="1">
                 <a:cs typeface="Consolas" pitchFamily="49" charset="0"/>
               </a:rPr>
               <a:t>statefulness</a:t>
             </a:r>
             <a:r>
-              <a:rPr lang="en-US" dirty="0" smtClean="0">
+              <a:rPr lang="en-US" dirty="0">
                 <a:cs typeface="Consolas" pitchFamily="49" charset="0"/>
               </a:rPr>
               <a:t> in our interfaces.</a:t>
@@ -6815,7 +6568,7 @@
           </a:p>
           <a:p>
             <a:r>
-              <a:rPr lang="en-US" b="1" dirty="0" smtClean="0">
+              <a:rPr lang="en-US" b="1" dirty="0">
                 <a:latin typeface="Consolas" pitchFamily="49" charset="0"/>
                 <a:cs typeface="Consolas" pitchFamily="49" charset="0"/>
               </a:rPr>
@@ -6825,25 +6578,7 @@
               <a:rPr lang="en-US" dirty="0">
                 <a:cs typeface="Consolas" pitchFamily="49" charset="0"/>
               </a:rPr>
-              <a:t>means that the function can return any value it </a:t>
-            </a:r>
-            <a:r>
-              <a:rPr lang="en-US" dirty="0" smtClean="0">
-                <a:cs typeface="Consolas" pitchFamily="49" charset="0"/>
-              </a:rPr>
-              <a:t>wants, so </a:t>
-            </a:r>
-            <a:r>
-              <a:rPr lang="en-US" dirty="0">
-                <a:cs typeface="Consolas" pitchFamily="49" charset="0"/>
-              </a:rPr>
-              <a:t>the caller must ignore the returned </a:t>
-            </a:r>
-            <a:r>
-              <a:rPr lang="en-US" dirty="0" smtClean="0">
-                <a:cs typeface="Consolas" pitchFamily="49" charset="0"/>
-              </a:rPr>
-              <a:t>value.</a:t>
+              <a:t>means that the function can return any value it wants, so the caller must ignore the returned value.</a:t>
             </a:r>
           </a:p>
           <a:p>
@@ -6857,37 +6592,13 @@
             </a:r>
             <a:r>
               <a:rPr lang="en-US" dirty="0"/>
-              <a:t> return contract must have an </a:t>
-            </a:r>
-            <a:r>
-              <a:rPr lang="en-US" dirty="0" smtClean="0"/>
-              <a:t>EFFECT, so we must </a:t>
-            </a:r>
-            <a:r>
-              <a:rPr lang="en-US" dirty="0"/>
-              <a:t>document this as part of the purpose </a:t>
-            </a:r>
-            <a:r>
-              <a:rPr lang="en-US" dirty="0" smtClean="0"/>
-              <a:t>statement.</a:t>
-            </a:r>
-          </a:p>
-          <a:p>
-            <a:r>
-              <a:rPr lang="en-US" dirty="0" smtClean="0"/>
-              <a:t>We can transform a method definition that </a:t>
-            </a:r>
-            <a:r>
-              <a:rPr lang="en-US" dirty="0"/>
-              <a:t>produces a new </a:t>
-            </a:r>
-            <a:r>
-              <a:rPr lang="en-US" dirty="0" smtClean="0"/>
-              <a:t>object </a:t>
-            </a:r>
-            <a:r>
-              <a:rPr lang="en-US" dirty="0"/>
-              <a:t>into one that alters this object by doing a </a:t>
+              <a:t> return contract must have an EFFECT, so we must document this as part of the purpose statement.</a:t>
+            </a:r>
+          </a:p>
+          <a:p>
+            <a:r>
+              <a:rPr lang="en-US" dirty="0"/>
+              <a:t>We can transform a method definition that produces a new object into one that alters this object by doing a </a:t>
             </a:r>
             <a:r>
               <a:rPr lang="en-US" b="1" dirty="0"/>
@@ -6895,20 +6606,16 @@
             </a:r>
             <a:r>
               <a:rPr lang="en-US" dirty="0"/>
-              <a:t>on the fields that should change</a:t>
-            </a:r>
-            <a:r>
-              <a:rPr lang="en-US" dirty="0" smtClean="0"/>
-              <a:t>.</a:t>
-            </a:r>
-          </a:p>
-          <a:p>
-            <a:r>
-              <a:rPr lang="en-US" dirty="0" smtClean="0"/>
+              <a:t>on the fields that should change.</a:t>
+            </a:r>
+          </a:p>
+          <a:p>
+            <a:r>
+              <a:rPr lang="en-US" dirty="0"/>
               <a:t>This is the </a:t>
             </a:r>
             <a:r>
-              <a:rPr lang="en-US" dirty="0" smtClean="0">
+              <a:rPr lang="en-US" dirty="0">
                 <a:solidFill>
                   <a:srgbClr val="FF0000"/>
                 </a:solidFill>
@@ -6916,18 +6623,17 @@
               <a:t>only </a:t>
             </a:r>
             <a:r>
-              <a:rPr lang="en-US" dirty="0" smtClean="0"/>
+              <a:rPr lang="en-US" dirty="0"/>
               <a:t>acceptable use of </a:t>
             </a:r>
             <a:r>
-              <a:rPr lang="en-US" b="1" dirty="0" smtClean="0"/>
+              <a:rPr lang="en-US" b="1" dirty="0"/>
               <a:t>set!</a:t>
             </a:r>
             <a:r>
-              <a:rPr lang="en-US" dirty="0" smtClean="0"/>
+              <a:rPr lang="en-US" dirty="0"/>
               <a:t> in this course.  </a:t>
             </a:r>
-            <a:endParaRPr lang="en-US" dirty="0"/>
           </a:p>
           <a:p>
             <a:endParaRPr lang="en-US" dirty="0"/>
@@ -6938,7 +6644,7 @@
             </a:endParaRPr>
           </a:p>
           <a:p>
-            <a:endParaRPr lang="en-US" dirty="0" smtClean="0"/>
+            <a:endParaRPr lang="en-US" dirty="0"/>
           </a:p>
           <a:p>
             <a:pPr lvl="1"/>
@@ -6979,13 +6685,6 @@
   <p:clrMapOvr>
     <a:masterClrMapping/>
   </p:clrMapOvr>
-  <p:timing>
-    <p:tnLst>
-      <p:par>
-        <p:cTn id="1" dur="indefinite" restart="never" nodeType="tmRoot"/>
-      </p:par>
-    </p:tnLst>
-  </p:timing>
 </p:sld>
 </file>
 
@@ -7024,10 +6723,9 @@
           <a:lstStyle/>
           <a:p>
             <a:r>
-              <a:rPr lang="en-US" dirty="0" smtClean="0"/>
+              <a:rPr lang="en-US" dirty="0"/>
               <a:t>The first thing we do is introduce a new interface</a:t>
             </a:r>
-            <a:endParaRPr lang="en-US" dirty="0"/>
           </a:p>
         </p:txBody>
       </p:sp>
@@ -7622,7 +7320,7 @@
           <a:p>
             <a:pPr algn="ctr"/>
             <a:r>
-              <a:rPr lang="en-US" sz="1600" b="1" dirty="0" smtClean="0">
+              <a:rPr lang="en-US" sz="1600" b="1" dirty="0">
                 <a:solidFill>
                   <a:schemeClr val="tx1"/>
                 </a:solidFill>
@@ -7630,18 +7328,13 @@
               <a:t>add-to-scene</a:t>
             </a:r>
             <a:r>
-              <a:rPr lang="en-US" sz="1600" dirty="0" smtClean="0">
+              <a:rPr lang="en-US" sz="1600" dirty="0">
                 <a:solidFill>
                   <a:schemeClr val="tx1"/>
                 </a:solidFill>
               </a:rPr>
               <a:t> still returns a scene</a:t>
             </a:r>
-            <a:endParaRPr lang="en-US" sz="1600" dirty="0">
-              <a:solidFill>
-                <a:schemeClr val="tx1"/>
-              </a:solidFill>
-            </a:endParaRPr>
           </a:p>
         </p:txBody>
       </p:sp>
@@ -7692,7 +7385,7 @@
           <a:p>
             <a:pPr algn="ctr"/>
             <a:r>
-              <a:rPr lang="en-US" dirty="0" smtClean="0">
+              <a:rPr lang="en-US" dirty="0">
                 <a:solidFill>
                   <a:schemeClr val="tx1"/>
                 </a:solidFill>
@@ -7700,7 +7393,7 @@
               <a:t>We adopt the convention that </a:t>
             </a:r>
             <a:r>
-              <a:rPr lang="en-US" dirty="0" err="1" smtClean="0">
+              <a:rPr lang="en-US" dirty="0" err="1">
                 <a:solidFill>
                   <a:schemeClr val="tx1"/>
                 </a:solidFill>
@@ -7708,7 +7401,7 @@
               <a:t>stateful</a:t>
             </a:r>
             <a:r>
-              <a:rPr lang="en-US" dirty="0" smtClean="0">
+              <a:rPr lang="en-US" dirty="0">
                 <a:solidFill>
                   <a:schemeClr val="tx1"/>
                 </a:solidFill>
@@ -7716,7 +7409,7 @@
               <a:t> things have names starting with "</a:t>
             </a:r>
             <a:r>
-              <a:rPr lang="en-US" b="1" dirty="0" smtClean="0">
+              <a:rPr lang="en-US" b="1" dirty="0">
                 <a:solidFill>
                   <a:schemeClr val="tx1"/>
                 </a:solidFill>
@@ -7724,7 +7417,7 @@
               <a:t>S</a:t>
             </a:r>
             <a:r>
-              <a:rPr lang="en-US" dirty="0" smtClean="0">
+              <a:rPr lang="en-US" dirty="0">
                 <a:solidFill>
                   <a:schemeClr val="tx1"/>
                 </a:solidFill>
@@ -7732,7 +7425,7 @@
               <a:t>".  Thus </a:t>
             </a:r>
             <a:r>
-              <a:rPr lang="en-US" b="1" dirty="0" err="1" smtClean="0">
+              <a:rPr lang="en-US" b="1" dirty="0" err="1">
                 <a:solidFill>
                   <a:schemeClr val="tx1"/>
                 </a:solidFill>
@@ -7740,7 +7433,7 @@
               <a:t>Swidget</a:t>
             </a:r>
             <a:r>
-              <a:rPr lang="en-US" b="1" dirty="0" smtClean="0">
+              <a:rPr lang="en-US" b="1" dirty="0">
                 <a:solidFill>
                   <a:schemeClr val="tx1"/>
                 </a:solidFill>
@@ -7748,7 +7441,7 @@
               <a:t>&lt;%&gt; </a:t>
             </a:r>
             <a:r>
-              <a:rPr lang="en-US" dirty="0" smtClean="0">
+              <a:rPr lang="en-US" dirty="0">
                 <a:solidFill>
                   <a:schemeClr val="tx1"/>
                 </a:solidFill>
@@ -7756,7 +7449,7 @@
               <a:t>is the interface for </a:t>
             </a:r>
             <a:r>
-              <a:rPr lang="en-US" dirty="0" err="1" smtClean="0">
+              <a:rPr lang="en-US" dirty="0" err="1">
                 <a:solidFill>
                   <a:schemeClr val="tx1"/>
                 </a:solidFill>
@@ -7764,18 +7457,13 @@
               <a:t>stateful</a:t>
             </a:r>
             <a:r>
-              <a:rPr lang="en-US" dirty="0" smtClean="0">
+              <a:rPr lang="en-US" dirty="0">
                 <a:solidFill>
                   <a:schemeClr val="tx1"/>
                 </a:solidFill>
               </a:rPr>
               <a:t> widgets.</a:t>
             </a:r>
-            <a:endParaRPr lang="en-US" dirty="0">
-              <a:solidFill>
-                <a:schemeClr val="tx1"/>
-              </a:solidFill>
-            </a:endParaRPr>
           </a:p>
         </p:txBody>
       </p:sp>
@@ -7789,13 +7477,6 @@
   <p:clrMapOvr>
     <a:masterClrMapping/>
   </p:clrMapOvr>
-  <p:timing>
-    <p:tnLst>
-      <p:par>
-        <p:cTn id="1" dur="indefinite" restart="never" nodeType="tmRoot"/>
-      </p:par>
-    </p:tnLst>
-  </p:timing>
 </p:sld>
 </file>
 
@@ -7834,10 +7515,9 @@
           <a:lstStyle/>
           <a:p>
             <a:r>
-              <a:rPr lang="en-US" dirty="0" smtClean="0"/>
+              <a:rPr lang="en-US" dirty="0"/>
               <a:t>New contracts</a:t>
             </a:r>
-            <a:endParaRPr lang="en-US" dirty="0"/>
           </a:p>
         </p:txBody>
       </p:sp>
@@ -7859,19 +7539,19 @@
           <a:lstStyle/>
           <a:p>
             <a:r>
-              <a:rPr lang="en-US" dirty="0" smtClean="0"/>
+              <a:rPr lang="en-US" dirty="0"/>
               <a:t>Key contract (in </a:t>
             </a:r>
             <a:r>
-              <a:rPr lang="en-US" b="1" dirty="0" err="1" smtClean="0"/>
+              <a:rPr lang="en-US" b="1" dirty="0" err="1"/>
               <a:t>Swidget</a:t>
             </a:r>
             <a:r>
-              <a:rPr lang="en-US" b="1" dirty="0" smtClean="0"/>
+              <a:rPr lang="en-US" b="1" dirty="0"/>
               <a:t>&lt;%&gt; </a:t>
             </a:r>
             <a:r>
-              <a:rPr lang="en-US" dirty="0" smtClean="0"/>
+              <a:rPr lang="en-US" dirty="0"/>
               <a:t>)</a:t>
             </a:r>
           </a:p>
@@ -7880,7 +7560,7 @@
               <a:buNone/>
             </a:pPr>
             <a:r>
-              <a:rPr lang="en-US" b="1" dirty="0" smtClean="0">
+              <a:rPr lang="en-US" b="1" dirty="0">
                 <a:latin typeface="Consolas" pitchFamily="49" charset="0"/>
                 <a:cs typeface="Consolas" pitchFamily="49" charset="0"/>
               </a:rPr>
@@ -7892,35 +7572,35 @@
               <a:buNone/>
             </a:pPr>
             <a:r>
-              <a:rPr lang="en-US" b="1" dirty="0" smtClean="0">
+              <a:rPr lang="en-US" b="1" dirty="0">
                 <a:latin typeface="Consolas" pitchFamily="49" charset="0"/>
                 <a:cs typeface="Consolas" pitchFamily="49" charset="0"/>
               </a:rPr>
               <a:t>   Integer </a:t>
             </a:r>
             <a:r>
-              <a:rPr lang="en-US" b="1" dirty="0" err="1" smtClean="0">
+              <a:rPr lang="en-US" b="1" dirty="0" err="1">
                 <a:latin typeface="Consolas" pitchFamily="49" charset="0"/>
                 <a:cs typeface="Consolas" pitchFamily="49" charset="0"/>
               </a:rPr>
               <a:t>Integer</a:t>
             </a:r>
             <a:r>
-              <a:rPr lang="en-US" b="1" dirty="0" smtClean="0">
+              <a:rPr lang="en-US" b="1" dirty="0">
                 <a:latin typeface="Consolas" pitchFamily="49" charset="0"/>
                 <a:cs typeface="Consolas" pitchFamily="49" charset="0"/>
               </a:rPr>
               <a:t> </a:t>
             </a:r>
             <a:r>
-              <a:rPr lang="en-US" b="1" dirty="0" err="1" smtClean="0">
+              <a:rPr lang="en-US" b="1" dirty="0" err="1">
                 <a:latin typeface="Consolas" pitchFamily="49" charset="0"/>
                 <a:cs typeface="Consolas" pitchFamily="49" charset="0"/>
               </a:rPr>
               <a:t>MouseEvent</a:t>
             </a:r>
             <a:r>
-              <a:rPr lang="en-US" b="1" dirty="0" smtClean="0">
+              <a:rPr lang="en-US" b="1" dirty="0">
                 <a:latin typeface="Consolas" pitchFamily="49" charset="0"/>
                 <a:cs typeface="Consolas" pitchFamily="49" charset="0"/>
               </a:rPr>
@@ -7929,14 +7609,14 @@
           </a:p>
           <a:p>
             <a:r>
-              <a:rPr lang="en-US" b="1" dirty="0" smtClean="0">
+              <a:rPr lang="en-US" b="1" dirty="0">
                 <a:latin typeface="Consolas" pitchFamily="49" charset="0"/>
                 <a:cs typeface="Consolas" pitchFamily="49" charset="0"/>
               </a:rPr>
               <a:t>Void </a:t>
             </a:r>
             <a:r>
-              <a:rPr lang="en-US" dirty="0" smtClean="0">
+              <a:rPr lang="en-US" dirty="0">
                 <a:cs typeface="Consolas" pitchFamily="49" charset="0"/>
               </a:rPr>
               <a:t>means that the function can return any value it wants.</a:t>
@@ -7944,7 +7624,7 @@
           </a:p>
           <a:p>
             <a:r>
-              <a:rPr lang="en-US" dirty="0" smtClean="0">
+              <a:rPr lang="en-US" dirty="0">
                 <a:cs typeface="Consolas" pitchFamily="49" charset="0"/>
               </a:rPr>
               <a:t>The caller of the function can’t rely on it returning any meaningful value</a:t>
@@ -7952,14 +7632,11 @@
           </a:p>
           <a:p>
             <a:r>
-              <a:rPr lang="en-US" dirty="0" smtClean="0">
+              <a:rPr lang="en-US" dirty="0">
                 <a:cs typeface="Consolas" pitchFamily="49" charset="0"/>
               </a:rPr>
               <a:t>So the caller must ignore the returned value</a:t>
             </a:r>
-            <a:endParaRPr lang="en-US" dirty="0">
-              <a:cs typeface="Consolas" pitchFamily="49" charset="0"/>
-            </a:endParaRPr>
           </a:p>
         </p:txBody>
       </p:sp>
@@ -7996,13 +7673,6 @@
   <p:clrMapOvr>
     <a:masterClrMapping/>
   </p:clrMapOvr>
-  <p:timing>
-    <p:tnLst>
-      <p:par>
-        <p:cTn id="1" dur="indefinite" restart="never" nodeType="tmRoot"/>
-      </p:par>
-    </p:tnLst>
-  </p:timing>
 </p:sld>
 </file>
 
@@ -8041,10 +7711,9 @@
           <a:lstStyle/>
           <a:p>
             <a:r>
-              <a:rPr lang="en-US" dirty="0" smtClean="0"/>
+              <a:rPr lang="en-US" dirty="0"/>
               <a:t>If we don’t return a useful value, then what?</a:t>
             </a:r>
-            <a:endParaRPr lang="en-US" dirty="0"/>
           </a:p>
         </p:txBody>
       </p:sp>
@@ -8064,24 +7733,23 @@
           <a:lstStyle/>
           <a:p>
             <a:r>
-              <a:rPr lang="en-US" dirty="0" smtClean="0"/>
+              <a:rPr lang="en-US" dirty="0"/>
               <a:t>A function that has a </a:t>
             </a:r>
             <a:r>
-              <a:rPr lang="en-US" b="1" dirty="0" smtClean="0"/>
+              <a:rPr lang="en-US" b="1" dirty="0"/>
               <a:t>Void</a:t>
             </a:r>
             <a:r>
-              <a:rPr lang="en-US" dirty="0" smtClean="0"/>
+              <a:rPr lang="en-US" dirty="0"/>
               <a:t> return contract must have an EFFECT.</a:t>
             </a:r>
           </a:p>
           <a:p>
             <a:r>
-              <a:rPr lang="en-US" dirty="0" smtClean="0"/>
+              <a:rPr lang="en-US" dirty="0"/>
               <a:t>Must document this as part of the purpose statement:</a:t>
             </a:r>
-            <a:endParaRPr lang="en-US" dirty="0"/>
           </a:p>
         </p:txBody>
       </p:sp>
@@ -8118,13 +7786,6 @@
   <p:clrMapOvr>
     <a:masterClrMapping/>
   </p:clrMapOvr>
-  <p:timing>
-    <p:tnLst>
-      <p:par>
-        <p:cTn id="1" dur="indefinite" restart="never" nodeType="tmRoot"/>
-      </p:par>
-    </p:tnLst>
-  </p:timing>
 </p:sld>
 </file>
 
@@ -8163,10 +7824,9 @@
           <a:lstStyle/>
           <a:p>
             <a:r>
-              <a:rPr lang="en-US" dirty="0" smtClean="0"/>
+              <a:rPr lang="en-US" dirty="0"/>
               <a:t>Example of an EFFECT in a purpose statement</a:t>
             </a:r>
-            <a:endParaRPr lang="en-US" dirty="0"/>
           </a:p>
         </p:txBody>
       </p:sp>
@@ -8204,12 +7864,8 @@
               </a:spcBef>
             </a:pPr>
             <a:r>
-              <a:rPr lang="en-US" sz="2800" dirty="0" smtClean="0"/>
-              <a:t>; </a:t>
-            </a:r>
-            <a:r>
               <a:rPr lang="en-US" sz="2800" dirty="0"/>
-              <a:t>GIVEN: no arguments</a:t>
+              <a:t>; GIVEN: no arguments</a:t>
             </a:r>
           </a:p>
           <a:p>
@@ -8219,16 +7875,8 @@
               </a:spcBef>
             </a:pPr>
             <a:r>
-              <a:rPr lang="en-US" sz="2800" dirty="0" smtClean="0"/>
-              <a:t>; </a:t>
-            </a:r>
-            <a:r>
               <a:rPr lang="en-US" sz="2800" dirty="0"/>
-              <a:t>EFFECT: updates this widget to </a:t>
-            </a:r>
-            <a:r>
-              <a:rPr lang="en-US" sz="2800" dirty="0" smtClean="0"/>
-              <a:t>the</a:t>
+              <a:t>; EFFECT: updates this widget to the</a:t>
             </a:r>
           </a:p>
           <a:p>
@@ -8239,23 +7887,7 @@
             </a:pPr>
             <a:r>
               <a:rPr lang="en-US" sz="2800" dirty="0"/>
-              <a:t>;</a:t>
-            </a:r>
-            <a:r>
-              <a:rPr lang="en-US" sz="2800" dirty="0" smtClean="0"/>
-              <a:t> </a:t>
-            </a:r>
-            <a:r>
-              <a:rPr lang="en-US" sz="2800" dirty="0"/>
-              <a:t>state it should </a:t>
-            </a:r>
-            <a:r>
-              <a:rPr lang="en-US" sz="2800" dirty="0" smtClean="0"/>
-              <a:t>have following </a:t>
-            </a:r>
-            <a:r>
-              <a:rPr lang="en-US" sz="2800" dirty="0"/>
-              <a:t>a tick.</a:t>
+              <a:t>; state it should have following a tick.</a:t>
             </a:r>
           </a:p>
           <a:p>
@@ -8265,10 +7897,9 @@
               </a:spcBef>
             </a:pPr>
             <a:r>
-              <a:rPr lang="en-US" sz="2800" dirty="0" smtClean="0"/>
+              <a:rPr lang="en-US" sz="2800" dirty="0"/>
               <a:t>after-tick          </a:t>
             </a:r>
-            <a:endParaRPr lang="en-US" sz="2800" dirty="0"/>
           </a:p>
         </p:txBody>
       </p:sp>
@@ -8306,13 +7937,6 @@
   <p:clrMapOvr>
     <a:masterClrMapping/>
   </p:clrMapOvr>
-  <p:timing>
-    <p:tnLst>
-      <p:par>
-        <p:cTn id="1" dur="indefinite" restart="never" nodeType="tmRoot"/>
-      </p:par>
-    </p:tnLst>
-  </p:timing>
 </p:sld>
 </file>
 
@@ -8351,10 +7975,9 @@
           <a:lstStyle/>
           <a:p>
             <a:r>
-              <a:rPr lang="en-US" dirty="0" smtClean="0"/>
+              <a:rPr lang="en-US" dirty="0"/>
               <a:t>Transforming the method definition</a:t>
             </a:r>
-            <a:endParaRPr lang="en-US" dirty="0"/>
           </a:p>
         </p:txBody>
       </p:sp>
@@ -8377,36 +8000,19 @@
           <a:p>
             <a:r>
               <a:rPr lang="en-US" dirty="0"/>
-              <a:t>We can change a function that produces a new </a:t>
-            </a:r>
-            <a:r>
-              <a:rPr lang="en-US" dirty="0" smtClean="0"/>
-              <a:t>object </a:t>
-            </a:r>
-            <a:r>
-              <a:rPr lang="en-US" dirty="0"/>
-              <a:t>into one that alters this object by doing a set! on the fields that should change.  </a:t>
-            </a:r>
-            <a:endParaRPr lang="en-US" dirty="0" smtClean="0"/>
-          </a:p>
-          <a:p>
-            <a:r>
-              <a:rPr lang="en-US" dirty="0" smtClean="0"/>
-              <a:t>Often </a:t>
-            </a:r>
-            <a:r>
-              <a:rPr lang="en-US" dirty="0"/>
-              <a:t>this is only a small subset of the fields, so the new code is considerably shorter than the old one.</a:t>
-            </a:r>
-          </a:p>
-          <a:p>
-            <a:r>
-              <a:rPr lang="en-US" dirty="0" smtClean="0"/>
-              <a:t>When </a:t>
-            </a:r>
-            <a:r>
-              <a:rPr lang="en-US" dirty="0"/>
-              <a:t>we do this, the new function no longer produces a meaningful value, so whoever calls it can no longer rely on its value.  This is the meaning of the </a:t>
+              <a:t>We can change a function that produces a new object into one that alters this object by doing a set! on the fields that should change.  </a:t>
+            </a:r>
+          </a:p>
+          <a:p>
+            <a:r>
+              <a:rPr lang="en-US" dirty="0"/>
+              <a:t>Often this is only a small subset of the fields, so the new code is considerably shorter than the old one.</a:t>
+            </a:r>
+          </a:p>
+          <a:p>
+            <a:r>
+              <a:rPr lang="en-US" dirty="0"/>
+              <a:t>When we do this, the new function no longer produces a meaningful value, so whoever calls it can no longer rely on its value.  This is the meaning of the </a:t>
             </a:r>
             <a:r>
               <a:rPr lang="en-US" b="1" dirty="0"/>
@@ -8414,11 +8020,7 @@
             </a:r>
             <a:r>
               <a:rPr lang="en-US" dirty="0"/>
-              <a:t> contract</a:t>
-            </a:r>
-            <a:r>
-              <a:rPr lang="en-US" dirty="0" smtClean="0"/>
-              <a:t>.</a:t>
+              <a:t> contract.</a:t>
             </a:r>
           </a:p>
           <a:p>
@@ -8539,13 +8141,6 @@
   <p:clrMapOvr>
     <a:masterClrMapping/>
   </p:clrMapOvr>
-  <p:timing>
-    <p:tnLst>
-      <p:par>
-        <p:cTn id="1" dur="indefinite" restart="never" nodeType="tmRoot"/>
-      </p:par>
-    </p:tnLst>
-  </p:timing>
 </p:sld>
 </file>
 
@@ -8596,13 +8191,8 @@
             </a:r>
             <a:r>
               <a:rPr lang="en-US" dirty="0"/>
-              <a:t> transformation: </a:t>
-            </a:r>
-            <a:r>
-              <a:rPr lang="en-US" dirty="0" smtClean="0"/>
-              <a:t>method definition</a:t>
-            </a:r>
-            <a:endParaRPr lang="en-US" dirty="0"/>
+              <a:t> transformation: method definition</a:t>
+            </a:r>
           </a:p>
         </p:txBody>
       </p:sp>
@@ -8633,76 +8223,43 @@
             </a:r>
             <a:r>
               <a:rPr lang="en-US" sz="2000" dirty="0"/>
-              <a:t> -&gt; </a:t>
-            </a:r>
-            <a:r>
-              <a:rPr lang="en-US" sz="2000" dirty="0" smtClean="0"/>
-              <a:t>Void</a:t>
-            </a:r>
-            <a:endParaRPr lang="en-US" sz="2000" dirty="0"/>
-          </a:p>
-          <a:p>
-            <a:r>
-              <a:rPr lang="en-US" sz="2000" dirty="0" smtClean="0"/>
-              <a:t>; </a:t>
-            </a:r>
+              <a:t> -&gt; Void</a:t>
+            </a:r>
+          </a:p>
+          <a:p>
             <a:r>
               <a:rPr lang="en-US" sz="2000" dirty="0"/>
-              <a:t>GIVEN: the location of a button-down </a:t>
-            </a:r>
-            <a:r>
-              <a:rPr lang="en-US" sz="2000" dirty="0" smtClean="0"/>
-              <a:t>event</a:t>
-            </a:r>
-          </a:p>
-          <a:p>
-            <a:r>
-              <a:rPr lang="en-US" sz="2000" dirty="0" smtClean="0"/>
-              <a:t>; </a:t>
-            </a:r>
+              <a:t>; GIVEN: the location of a button-down event</a:t>
+            </a:r>
+          </a:p>
+          <a:p>
             <a:r>
               <a:rPr lang="en-US" sz="2000" dirty="0"/>
-              <a:t>STRATEGY: Cases on whether the event is near the wall</a:t>
-            </a:r>
-          </a:p>
-          <a:p>
-            <a:r>
-              <a:rPr lang="en-US" sz="2000" dirty="0" smtClean="0"/>
-              <a:t>(</a:t>
-            </a:r>
+              <a:t>; STRATEGY: Cases on whether the event is near the wall</a:t>
+            </a:r>
+          </a:p>
+          <a:p>
             <a:r>
               <a:rPr lang="en-US" sz="2000" dirty="0"/>
-              <a:t>define/public (after-button-down mx my)</a:t>
-            </a:r>
-          </a:p>
-          <a:p>
-            <a:r>
-              <a:rPr lang="en-US" sz="2000" dirty="0" smtClean="0"/>
-              <a:t>  </a:t>
-            </a:r>
+              <a:t>(define/public (after-button-down mx my)</a:t>
+            </a:r>
+          </a:p>
+          <a:p>
             <a:r>
               <a:rPr lang="en-US" sz="2000" dirty="0"/>
-              <a:t>(if (near-wall? mx)</a:t>
-            </a:r>
-          </a:p>
-          <a:p>
-            <a:r>
-              <a:rPr lang="en-US" sz="2000" dirty="0" smtClean="0"/>
-              <a:t>    </a:t>
-            </a:r>
+              <a:t>  (if (near-wall? mx)</a:t>
+            </a:r>
+          </a:p>
+          <a:p>
             <a:r>
               <a:rPr lang="en-US" sz="2000" dirty="0"/>
-              <a:t>;; (new Wall%</a:t>
-            </a:r>
-          </a:p>
-          <a:p>
-            <a:r>
-              <a:rPr lang="en-US" sz="2000" dirty="0" smtClean="0"/>
-              <a:t>    </a:t>
-            </a:r>
+              <a:t>    ;; (new Wall%</a:t>
+            </a:r>
+          </a:p>
+          <a:p>
             <a:r>
               <a:rPr lang="en-US" sz="2000" dirty="0"/>
-              <a:t>;;   [</a:t>
+              <a:t>    ;;   [</a:t>
             </a:r>
             <a:r>
               <a:rPr lang="en-US" sz="2000" dirty="0" err="1"/>
@@ -8723,12 +8280,8 @@
           </a:p>
           <a:p>
             <a:r>
-              <a:rPr lang="en-US" sz="2000" dirty="0" smtClean="0"/>
-              <a:t>    </a:t>
-            </a:r>
-            <a:r>
               <a:rPr lang="en-US" sz="2000" dirty="0"/>
-              <a:t>;;   [</a:t>
+              <a:t>    ;;   [</a:t>
             </a:r>
             <a:r>
               <a:rPr lang="en-US" sz="2000" dirty="0">
@@ -8745,12 +8298,8 @@
           </a:p>
           <a:p>
             <a:r>
-              <a:rPr lang="en-US" sz="2000" dirty="0" smtClean="0"/>
-              <a:t>    </a:t>
-            </a:r>
-            <a:r>
               <a:rPr lang="en-US" sz="2000" dirty="0"/>
-              <a:t>;;   [</a:t>
+              <a:t>    ;;   [</a:t>
             </a:r>
             <a:r>
               <a:rPr lang="en-US" sz="2000" dirty="0">
@@ -8783,17 +8332,13 @@
           </a:p>
           <a:p>
             <a:r>
-              <a:rPr lang="en-US" sz="2000" dirty="0" smtClean="0"/>
-              <a:t>    </a:t>
-            </a:r>
-            <a:r>
               <a:rPr lang="en-US" sz="2000" dirty="0"/>
-              <a:t>(begin</a:t>
-            </a:r>
-          </a:p>
-          <a:p>
-            <a:r>
-              <a:rPr lang="en-US" sz="2000" dirty="0" smtClean="0"/>
+              <a:t>    (begin</a:t>
+            </a:r>
+          </a:p>
+          <a:p>
+            <a:r>
+              <a:rPr lang="en-US" sz="2000" dirty="0"/>
               <a:t>      </a:t>
             </a:r>
             <a:r>
@@ -8807,7 +8352,7 @@
           </a:p>
           <a:p>
             <a:r>
-              <a:rPr lang="en-US" sz="2000" dirty="0" smtClean="0"/>
+              <a:rPr lang="en-US" sz="2000" dirty="0"/>
               <a:t>      </a:t>
             </a:r>
             <a:r>
@@ -8837,7 +8382,7 @@
           </a:p>
           <a:p>
             <a:r>
-              <a:rPr lang="en-US" sz="2000" dirty="0" smtClean="0"/>
+              <a:rPr lang="en-US" sz="2000" dirty="0"/>
               <a:t>      </a:t>
             </a:r>
             <a:r>
@@ -8851,10 +8396,9 @@
           </a:p>
           <a:p>
             <a:r>
-              <a:rPr lang="en-US" sz="2000" dirty="0" smtClean="0"/>
+              <a:rPr lang="en-US" sz="2000" dirty="0"/>
               <a:t>    42))</a:t>
             </a:r>
-            <a:endParaRPr lang="en-US" sz="2000" dirty="0"/>
           </a:p>
           <a:p>
             <a:endParaRPr lang="en-US" sz="2000" dirty="0"/>
@@ -8932,31 +8476,7 @@
           <a:p>
             <a:r>
               <a:rPr lang="en-US" dirty="0"/>
-              <a:t>We </a:t>
-            </a:r>
-            <a:r>
-              <a:rPr lang="en-US" dirty="0" smtClean="0"/>
-              <a:t>change each method </a:t>
-            </a:r>
-            <a:r>
-              <a:rPr lang="en-US" dirty="0"/>
-              <a:t>that produces a new </a:t>
-            </a:r>
-            <a:r>
-              <a:rPr lang="en-US" dirty="0" smtClean="0"/>
-              <a:t>wall into </a:t>
-            </a:r>
-            <a:r>
-              <a:rPr lang="en-US" dirty="0"/>
-              <a:t>one that alters this </a:t>
-            </a:r>
-            <a:r>
-              <a:rPr lang="en-US" dirty="0" smtClean="0"/>
-              <a:t>wall by </a:t>
-            </a:r>
-            <a:r>
-              <a:rPr lang="en-US" dirty="0"/>
-              <a:t>doing a </a:t>
+              <a:t>We change each method that produces a new wall into one that alters this wall by doing a </a:t>
             </a:r>
             <a:r>
               <a:rPr lang="en-US" b="1" dirty="0"/>
@@ -9016,7 +8536,7 @@
           <a:p>
             <a:pPr algn="ctr"/>
             <a:r>
-              <a:rPr lang="en-US" sz="1600" dirty="0" smtClean="0">
+              <a:rPr lang="en-US" sz="1600" dirty="0">
                 <a:solidFill>
                   <a:schemeClr val="tx1"/>
                 </a:solidFill>
@@ -9024,7 +8544,7 @@
               <a:t>We don't care what value is returned, so the first </a:t>
             </a:r>
             <a:r>
-              <a:rPr lang="en-US" sz="1600" b="1" dirty="0" smtClean="0">
+              <a:rPr lang="en-US" sz="1600" b="1" dirty="0">
                 <a:solidFill>
                   <a:schemeClr val="tx1"/>
                 </a:solidFill>
@@ -9032,7 +8552,7 @@
               <a:t>this</a:t>
             </a:r>
             <a:r>
-              <a:rPr lang="en-US" sz="1600" dirty="0" smtClean="0">
+              <a:rPr lang="en-US" sz="1600" dirty="0">
                 <a:solidFill>
                   <a:schemeClr val="tx1"/>
                 </a:solidFill>
@@ -9040,7 +8560,7 @@
               <a:t> can be omitted; the </a:t>
             </a:r>
             <a:r>
-              <a:rPr lang="en-US" sz="1600" b="1" dirty="0" smtClean="0">
+              <a:rPr lang="en-US" sz="1600" b="1" dirty="0">
                 <a:solidFill>
                   <a:schemeClr val="tx1"/>
                 </a:solidFill>
@@ -9048,18 +8568,13 @@
               <a:t>begin</a:t>
             </a:r>
             <a:r>
-              <a:rPr lang="en-US" sz="1600" dirty="0" smtClean="0">
+              <a:rPr lang="en-US" sz="1600" dirty="0">
                 <a:solidFill>
                   <a:schemeClr val="tx1"/>
                 </a:solidFill>
               </a:rPr>
               <a:t> returns whatever it returns and we don't care.</a:t>
             </a:r>
-            <a:endParaRPr lang="en-US" sz="1600" dirty="0">
-              <a:solidFill>
-                <a:schemeClr val="tx1"/>
-              </a:solidFill>
-            </a:endParaRPr>
           </a:p>
         </p:txBody>
       </p:sp>
@@ -9110,7 +8625,7 @@
           <a:p>
             <a:pPr algn="ctr"/>
             <a:r>
-              <a:rPr lang="en-US" sz="1600" b="1" dirty="0" smtClean="0">
+              <a:rPr lang="en-US" sz="1600" b="1" dirty="0">
                 <a:solidFill>
                   <a:schemeClr val="tx1"/>
                 </a:solidFill>
@@ -9118,18 +8633,13 @@
               <a:t>begin</a:t>
             </a:r>
             <a:r>
-              <a:rPr lang="en-US" sz="1600" dirty="0" smtClean="0">
+              <a:rPr lang="en-US" sz="1600" dirty="0">
                 <a:solidFill>
                   <a:schemeClr val="tx1"/>
                 </a:solidFill>
               </a:rPr>
               <a:t> evaluates its subexpressions from left to right and returns the value of the last one.</a:t>
             </a:r>
-            <a:endParaRPr lang="en-US" sz="1600" dirty="0">
-              <a:solidFill>
-                <a:schemeClr val="tx1"/>
-              </a:solidFill>
-            </a:endParaRPr>
           </a:p>
         </p:txBody>
       </p:sp>
@@ -9180,18 +8690,13 @@
           <a:p>
             <a:pPr algn="ctr"/>
             <a:r>
-              <a:rPr lang="en-US" sz="1400" dirty="0" smtClean="0">
+              <a:rPr lang="en-US" sz="1400" dirty="0">
                 <a:solidFill>
                   <a:schemeClr val="tx1"/>
                 </a:solidFill>
               </a:rPr>
               <a:t>However, an if still needs a value for the "else" case.  The value is ignored, so we've put in a nonsense value, 42.</a:t>
             </a:r>
-            <a:endParaRPr lang="en-US" sz="1400" dirty="0">
-              <a:solidFill>
-                <a:schemeClr val="tx1"/>
-              </a:solidFill>
-            </a:endParaRPr>
           </a:p>
         </p:txBody>
       </p:sp>
@@ -9279,13 +8784,6 @@
   <p:clrMapOvr>
     <a:masterClrMapping/>
   </p:clrMapOvr>
-  <p:timing>
-    <p:tnLst>
-      <p:par>
-        <p:cTn id="1" dur="indefinite" restart="never" nodeType="tmRoot"/>
-      </p:par>
-    </p:tnLst>
-  </p:timing>
 </p:sld>
 </file>
 
@@ -9322,10 +8820,9 @@
           <a:lstStyle/>
           <a:p>
             <a:r>
-              <a:rPr lang="en-US" dirty="0" smtClean="0"/>
+              <a:rPr lang="en-US" dirty="0"/>
               <a:t>Another example</a:t>
             </a:r>
-            <a:endParaRPr lang="en-US" dirty="0"/>
           </a:p>
         </p:txBody>
       </p:sp>
@@ -9347,12 +8844,8 @@
           <a:lstStyle/>
           <a:p>
             <a:r>
-              <a:rPr lang="en-US" dirty="0" smtClean="0"/>
-              <a:t>    ; </a:t>
-            </a:r>
-            <a:r>
-              <a:rPr lang="en-US" dirty="0"/>
-              <a:t>after-drag : Integer </a:t>
+              <a:rPr lang="en-US" dirty="0"/>
+              <a:t>    ; after-drag : Integer </a:t>
             </a:r>
             <a:r>
               <a:rPr lang="en-US" dirty="0" err="1"/>
@@ -9366,75 +8859,26 @@
           <a:p>
             <a:r>
               <a:rPr lang="en-US" dirty="0"/>
-              <a:t>    ; GIVEN: the location of a drag </a:t>
-            </a:r>
-            <a:r>
-              <a:rPr lang="en-US" dirty="0" smtClean="0"/>
-              <a:t>event</a:t>
-            </a:r>
-          </a:p>
-          <a:p>
-            <a:r>
-              <a:rPr lang="en-US" dirty="0"/>
-              <a:t> </a:t>
-            </a:r>
-            <a:r>
-              <a:rPr lang="en-US" dirty="0" smtClean="0"/>
-              <a:t>   ; EFFECT: </a:t>
-            </a:r>
-            <a:r>
-              <a:rPr lang="en-US" dirty="0"/>
-              <a:t>If </a:t>
-            </a:r>
-            <a:r>
-              <a:rPr lang="en-US" dirty="0" smtClean="0"/>
-              <a:t>the wall </a:t>
-            </a:r>
-            <a:r>
-              <a:rPr lang="en-US" dirty="0"/>
-              <a:t>is selected, move it so that </a:t>
-            </a:r>
-            <a:r>
-              <a:rPr lang="en-US" dirty="0" smtClean="0"/>
-              <a:t>the</a:t>
-            </a:r>
-          </a:p>
-          <a:p>
-            <a:r>
-              <a:rPr lang="en-US" dirty="0"/>
-              <a:t> </a:t>
-            </a:r>
-            <a:r>
-              <a:rPr lang="en-US" dirty="0" smtClean="0"/>
-              <a:t>   ;  vector </a:t>
-            </a:r>
-            <a:r>
-              <a:rPr lang="en-US" dirty="0"/>
-              <a:t>from its position </a:t>
-            </a:r>
-            <a:r>
-              <a:rPr lang="en-US" dirty="0" smtClean="0"/>
-              <a:t>to the </a:t>
-            </a:r>
-            <a:r>
-              <a:rPr lang="en-US" dirty="0"/>
-              <a:t>drag event is equal </a:t>
-            </a:r>
-            <a:r>
-              <a:rPr lang="en-US" dirty="0" smtClean="0"/>
-              <a:t>to</a:t>
-            </a:r>
-          </a:p>
-          <a:p>
-            <a:r>
-              <a:rPr lang="en-US" dirty="0"/>
-              <a:t> </a:t>
-            </a:r>
-            <a:r>
-              <a:rPr lang="en-US" dirty="0" smtClean="0"/>
-              <a:t>   ;  saved-mx</a:t>
-            </a:r>
-            <a:endParaRPr lang="en-US" dirty="0"/>
+              <a:t>    ; GIVEN: the location of a drag event</a:t>
+            </a:r>
+          </a:p>
+          <a:p>
+            <a:r>
+              <a:rPr lang="en-US" dirty="0"/>
+              <a:t>    ; EFFECT: If the wall is selected, move it so that the</a:t>
+            </a:r>
+          </a:p>
+          <a:p>
+            <a:r>
+              <a:rPr lang="en-US" dirty="0"/>
+              <a:t>    ;  vector from its position to the drag event is equal to</a:t>
+            </a:r>
+          </a:p>
+          <a:p>
+            <a:r>
+              <a:rPr lang="en-US" dirty="0"/>
+              <a:t>    ;  saved-mx</a:t>
+            </a:r>
           </a:p>
           <a:p>
             <a:r>
@@ -9445,13 +8889,8 @@
           <a:p>
             <a:r>
               <a:rPr lang="en-US" dirty="0"/>
-              <a:t>    </a:t>
-            </a:r>
-            <a:r>
-              <a:rPr lang="en-US" dirty="0" smtClean="0"/>
-              <a:t> </a:t>
-            </a:r>
-            <a:endParaRPr lang="en-US" dirty="0"/>
+              <a:t>     </a:t>
+            </a:r>
           </a:p>
           <a:p>
             <a:r>
@@ -9515,20 +8954,12 @@
               <a:t>        </a:t>
             </a:r>
             <a:r>
-              <a:rPr lang="en-US" dirty="0" smtClean="0">
-                <a:solidFill>
-                  <a:srgbClr val="FF0000"/>
-                </a:solidFill>
-              </a:rPr>
-              <a:t>(</a:t>
-            </a:r>
-            <a:r>
               <a:rPr lang="en-US" dirty="0">
                 <a:solidFill>
                   <a:srgbClr val="FF0000"/>
                 </a:solidFill>
               </a:rPr>
-              <a:t>set! </a:t>
+              <a:t>(set! </a:t>
             </a:r>
             <a:r>
               <a:rPr lang="en-US" dirty="0" err="1">
@@ -9550,24 +8981,16 @@
           <a:p>
             <a:r>
               <a:rPr lang="en-US" dirty="0"/>
+              <a:t>        ; this</a:t>
+            </a:r>
+          </a:p>
+          <a:p>
+            <a:r>
+              <a:rPr lang="en-US" dirty="0"/>
               <a:t>        </a:t>
             </a:r>
             <a:r>
-              <a:rPr lang="en-US" dirty="0" smtClean="0"/>
-              <a:t>; this</a:t>
-            </a:r>
-          </a:p>
-          <a:p>
-            <a:r>
-              <a:rPr lang="en-US" dirty="0"/>
-              <a:t> </a:t>
-            </a:r>
-            <a:r>
-              <a:rPr lang="en-US" dirty="0" smtClean="0"/>
-              <a:t>       </a:t>
-            </a:r>
-            <a:r>
-              <a:rPr lang="en-US" dirty="0" smtClean="0">
+              <a:rPr lang="en-US" dirty="0">
                 <a:solidFill>
                   <a:srgbClr val="FF0000"/>
                 </a:solidFill>
@@ -9651,18 +9074,13 @@
           <a:p>
             <a:pPr algn="ctr"/>
             <a:r>
-              <a:rPr lang="en-US" sz="1400" dirty="0" smtClean="0">
+              <a:rPr lang="en-US" sz="1400" dirty="0">
                 <a:solidFill>
                   <a:schemeClr val="tx1"/>
                 </a:solidFill>
               </a:rPr>
               <a:t>Another nonsense value to be ignored</a:t>
             </a:r>
-            <a:endParaRPr lang="en-US" sz="1400" dirty="0">
-              <a:solidFill>
-                <a:schemeClr val="tx1"/>
-              </a:solidFill>
-            </a:endParaRPr>
           </a:p>
         </p:txBody>
       </p:sp>
@@ -9711,13 +9129,6 @@
   <p:clrMapOvr>
     <a:masterClrMapping/>
   </p:clrMapOvr>
-  <p:timing>
-    <p:tnLst>
-      <p:par>
-        <p:cTn id="1" dur="indefinite" restart="never" nodeType="tmRoot"/>
-      </p:par>
-    </p:tnLst>
-  </p:timing>
 </p:sld>
 </file>
 

--- a/Slides/Lesson 10.4 Converting from Immutable to Mutable Objects.pptx
+++ b/Slides/Lesson 10.4 Converting from Immutable to Mutable Objects.pptx
@@ -225,7 +225,7 @@
           <a:p>
             <a:fld id="{B7676462-FC52-45C7-85E1-16BDE2BE239E}" type="datetimeFigureOut">
               <a:rPr lang="en-US" smtClean="0"/>
-              <a:t>11/4/2016</a:t>
+              <a:t>11/6/2016</a:t>
             </a:fld>
             <a:endParaRPr lang="en-US"/>
           </a:p>
@@ -1091,7 +1091,7 @@
           <a:p>
             <a:fld id="{2F1F79F5-7BEC-496A-AFC7-876E38F64D71}" type="datetime1">
               <a:rPr lang="en-US" smtClean="0"/>
-              <a:t>11/4/2016</a:t>
+              <a:t>11/6/2016</a:t>
             </a:fld>
             <a:endParaRPr lang="en-US"/>
           </a:p>
@@ -1208,7 +1208,7 @@
           <a:p>
             <a:fld id="{2F7B77F5-1464-4F6B-92A8-64FC8A508293}" type="datetime1">
               <a:rPr lang="en-US" smtClean="0"/>
-              <a:t>11/4/2016</a:t>
+              <a:t>11/6/2016</a:t>
             </a:fld>
             <a:endParaRPr lang="en-US"/>
           </a:p>
@@ -1303,7 +1303,7 @@
           <a:p>
             <a:fld id="{0A05703A-7669-4FEA-9056-25299B4D29D4}" type="datetime1">
               <a:rPr lang="en-US" smtClean="0"/>
-              <a:t>11/4/2016</a:t>
+              <a:t>11/6/2016</a:t>
             </a:fld>
             <a:endParaRPr lang="en-US"/>
           </a:p>
@@ -1578,7 +1578,7 @@
           <a:p>
             <a:fld id="{6E5077B5-BB57-49DB-88CA-226A139E5C01}" type="datetime1">
               <a:rPr lang="en-US" smtClean="0"/>
-              <a:t>11/4/2016</a:t>
+              <a:t>11/6/2016</a:t>
             </a:fld>
             <a:endParaRPr lang="en-US"/>
           </a:p>
@@ -1830,7 +1830,7 @@
           <a:p>
             <a:fld id="{C48D9447-CBD6-49A1-89FD-8512A8CF8999}" type="datetime1">
               <a:rPr lang="en-US" smtClean="0"/>
-              <a:t>11/4/2016</a:t>
+              <a:t>11/6/2016</a:t>
             </a:fld>
             <a:endParaRPr lang="en-US"/>
           </a:p>
@@ -1998,7 +1998,7 @@
           <a:p>
             <a:fld id="{A3639A2A-823D-48B7-9ACE-7FAF42870BA9}" type="datetime1">
               <a:rPr lang="en-US" smtClean="0"/>
-              <a:t>11/4/2016</a:t>
+              <a:t>11/6/2016</a:t>
             </a:fld>
             <a:endParaRPr lang="en-US"/>
           </a:p>
@@ -2176,7 +2176,7 @@
           <a:p>
             <a:fld id="{ED1B6996-82E9-463C-972C-7B56056E426C}" type="datetime1">
               <a:rPr lang="en-US" smtClean="0"/>
-              <a:t>11/4/2016</a:t>
+              <a:t>11/6/2016</a:t>
             </a:fld>
             <a:endParaRPr lang="en-US"/>
           </a:p>
@@ -2350,7 +2350,7 @@
           <a:p>
             <a:fld id="{E22ED4DA-448D-4BB1-B935-CC112220207B}" type="datetime1">
               <a:rPr lang="en-US" smtClean="0"/>
-              <a:t>11/4/2016</a:t>
+              <a:t>11/6/2016</a:t>
             </a:fld>
             <a:endParaRPr lang="en-US"/>
           </a:p>
@@ -2523,7 +2523,7 @@
           <a:p>
             <a:fld id="{E22ED4DA-448D-4BB1-B935-CC112220207B}" type="datetime1">
               <a:rPr lang="en-US" smtClean="0"/>
-              <a:t>11/4/2016</a:t>
+              <a:t>11/6/2016</a:t>
             </a:fld>
             <a:endParaRPr lang="en-US"/>
           </a:p>
@@ -2783,7 +2783,7 @@
           <a:p>
             <a:fld id="{FF5D65A6-AB94-4435-B0B7-3743215FA46C}" type="datetime1">
               <a:rPr lang="en-US" smtClean="0"/>
-              <a:t>11/4/2016</a:t>
+              <a:t>11/6/2016</a:t>
             </a:fld>
             <a:endParaRPr lang="en-US"/>
           </a:p>
@@ -3076,7 +3076,7 @@
           <a:p>
             <a:fld id="{5D1846AD-9252-4647-9435-4C2AC365653A}" type="datetime1">
               <a:rPr lang="en-US" smtClean="0"/>
-              <a:t>11/4/2016</a:t>
+              <a:t>11/6/2016</a:t>
             </a:fld>
             <a:endParaRPr lang="en-US"/>
           </a:p>
@@ -3252,7 +3252,7 @@
           <a:p>
             <a:fld id="{FF5D65A6-AB94-4435-B0B7-3743215FA46C}" type="datetime1">
               <a:rPr lang="en-US" smtClean="0"/>
-              <a:t>11/4/2016</a:t>
+              <a:t>11/6/2016</a:t>
             </a:fld>
             <a:endParaRPr lang="en-US"/>
           </a:p>
@@ -3546,7 +3546,7 @@
           <a:p>
             <a:fld id="{7C193DC4-6EF0-48C9-B29C-616106A645E1}" type="datetime1">
               <a:rPr lang="en-US" smtClean="0"/>
-              <a:t>11/4/2016</a:t>
+              <a:t>11/6/2016</a:t>
             </a:fld>
             <a:endParaRPr lang="en-US"/>
           </a:p>
@@ -3831,7 +3831,7 @@
           <a:p>
             <a:fld id="{5D1846AD-9252-4647-9435-4C2AC365653A}" type="datetime1">
               <a:rPr lang="en-US" smtClean="0"/>
-              <a:t>11/4/2016</a:t>
+              <a:t>11/6/2016</a:t>
             </a:fld>
             <a:endParaRPr lang="en-US"/>
           </a:p>
@@ -4250,7 +4250,7 @@
           <a:p>
             <a:fld id="{CE56DC10-3561-4063-A6AF-C1CC7A41040A}" type="datetime1">
               <a:rPr lang="en-US" smtClean="0"/>
-              <a:t>11/4/2016</a:t>
+              <a:t>11/6/2016</a:t>
             </a:fld>
             <a:endParaRPr lang="en-US"/>
           </a:p>
@@ -4473,7 +4473,7 @@
           <a:p>
             <a:fld id="{02B3F677-983B-48DB-ADFD-63FE6CBC7FB2}" type="datetime1">
               <a:rPr lang="en-US" smtClean="0"/>
-              <a:t>11/4/2016</a:t>
+              <a:t>11/6/2016</a:t>
             </a:fld>
             <a:endParaRPr lang="en-US"/>
           </a:p>
@@ -5095,7 +5095,17 @@
             <p:ph type="title"/>
           </p:nvPr>
         </p:nvSpPr>
-        <p:spPr/>
+        <p:spPr>
+          <a:noFill/>
+          <a:ln>
+            <a:solidFill>
+              <a:schemeClr val="accent1">
+                <a:shade val="95000"/>
+                <a:satMod val="105000"/>
+              </a:schemeClr>
+            </a:solidFill>
+          </a:ln>
+        </p:spPr>
         <p:txBody>
           <a:bodyPr>
             <a:normAutofit fontScale="90000"/>
@@ -5104,15 +5114,7 @@
           <a:p>
             <a:r>
               <a:rPr lang="en-US" dirty="0"/>
-              <a:t>We modify </a:t>
-            </a:r>
-            <a:r>
-              <a:rPr lang="en-US" dirty="0" err="1"/>
-              <a:t>WorldState</a:t>
-            </a:r>
-            <a:r>
-              <a:rPr lang="en-US" dirty="0"/>
-              <a:t>% to deal with both Widgets and </a:t>
+              <a:t>We modify World% to deal with both Widgets and </a:t>
             </a:r>
             <a:r>
               <a:rPr lang="en-US" dirty="0" err="1"/>
@@ -5163,15 +5165,7 @@
           <a:p>
             <a:r>
               <a:rPr lang="en-US" dirty="0"/>
-              <a:t>  (new </a:t>
-            </a:r>
-            <a:r>
-              <a:rPr lang="en-US" dirty="0" err="1"/>
-              <a:t>WorldState</a:t>
-            </a:r>
-            <a:r>
-              <a:rPr lang="en-US" dirty="0"/>
-              <a:t>% [</a:t>
+              <a:t>  (new World% [</a:t>
             </a:r>
             <a:r>
               <a:rPr lang="en-US" dirty="0" err="1"/>
@@ -5212,29 +5206,13 @@
           <a:p>
             <a:r>
               <a:rPr lang="en-US" dirty="0"/>
-              <a:t>(define </a:t>
-            </a:r>
-            <a:r>
-              <a:rPr lang="en-US" dirty="0" err="1"/>
-              <a:t>WorldState</a:t>
-            </a:r>
-            <a:r>
-              <a:rPr lang="en-US" dirty="0"/>
-              <a:t>%</a:t>
-            </a:r>
-          </a:p>
-          <a:p>
-            <a:r>
-              <a:rPr lang="en-US" dirty="0"/>
-              <a:t>  (class* object% (</a:t>
-            </a:r>
-            <a:r>
-              <a:rPr lang="en-US" dirty="0" err="1"/>
-              <a:t>WorldState</a:t>
-            </a:r>
-            <a:r>
-              <a:rPr lang="en-US" dirty="0"/>
-              <a:t>&lt;%&gt;)</a:t>
+              <a:t>(define World%</a:t>
+            </a:r>
+          </a:p>
+          <a:p>
+            <a:r>
+              <a:rPr lang="en-US" dirty="0"/>
+              <a:t>  (class* object% (World&lt;%&gt;)</a:t>
             </a:r>
           </a:p>
           <a:p>
@@ -5262,7 +5240,7 @@
             </a:r>
             <a:r>
               <a:rPr lang="en-US" dirty="0"/>
-              <a:t>)  ; </a:t>
+              <a:t>)   ; </a:t>
             </a:r>
             <a:r>
               <a:rPr lang="en-US" dirty="0" err="1"/>
@@ -5347,15 +5325,7 @@
           <a:p>
             <a:r>
               <a:rPr lang="en-US" dirty="0"/>
-              <a:t>      (new </a:t>
-            </a:r>
-            <a:r>
-              <a:rPr lang="en-US" dirty="0" err="1"/>
-              <a:t>WorldState</a:t>
-            </a:r>
-            <a:r>
-              <a:rPr lang="en-US" dirty="0"/>
-              <a:t>%</a:t>
+              <a:t>      (new World%</a:t>
             </a:r>
           </a:p>
           <a:p>
@@ -5480,19 +5450,21 @@
         </p:nvSpPr>
         <p:spPr>
           <a:xfrm>
-            <a:off x="6248400" y="4724400"/>
+            <a:off x="5638800" y="4533900"/>
             <a:ext cx="2209800" cy="1143000"/>
           </a:xfrm>
           <a:prstGeom prst="rect">
             <a:avLst/>
           </a:prstGeom>
           <a:solidFill>
-            <a:schemeClr val="accent3">
-              <a:lumMod val="40000"/>
-              <a:lumOff val="60000"/>
+            <a:schemeClr val="accent1">
+              <a:lumMod val="20000"/>
+              <a:lumOff val="80000"/>
             </a:schemeClr>
           </a:solidFill>
-          <a:ln/>
+          <a:ln>
+            <a:noFill/>
+          </a:ln>
         </p:spPr>
         <p:style>
           <a:lnRef idx="2">
@@ -5524,23 +5496,7 @@
                   <a:schemeClr val="tx1"/>
                 </a:solidFill>
               </a:rPr>
-              <a:t>Other methods in </a:t>
-            </a:r>
-            <a:r>
-              <a:rPr lang="en-US" dirty="0" err="1">
-                <a:solidFill>
-                  <a:schemeClr val="tx1"/>
-                </a:solidFill>
-              </a:rPr>
-              <a:t>WorldState</a:t>
-            </a:r>
-            <a:r>
-              <a:rPr lang="en-US" dirty="0">
-                <a:solidFill>
-                  <a:schemeClr val="tx1"/>
-                </a:solidFill>
-              </a:rPr>
-              <a:t>% modified similarly(*)</a:t>
+              <a:t>Other methods in World% modified similarly*</a:t>
             </a:r>
           </a:p>
         </p:txBody>
@@ -5553,19 +5509,21 @@
         </p:nvSpPr>
         <p:spPr>
           <a:xfrm>
-            <a:off x="5638800" y="5965825"/>
+            <a:off x="5638800" y="5783263"/>
             <a:ext cx="2819400" cy="685800"/>
           </a:xfrm>
           <a:prstGeom prst="rect">
             <a:avLst/>
           </a:prstGeom>
           <a:solidFill>
-            <a:schemeClr val="accent3">
-              <a:lumMod val="40000"/>
-              <a:lumOff val="60000"/>
+            <a:schemeClr val="accent1">
+              <a:lumMod val="20000"/>
+              <a:lumOff val="80000"/>
             </a:schemeClr>
           </a:solidFill>
-          <a:ln/>
+          <a:ln>
+            <a:noFill/>
+          </a:ln>
         </p:spPr>
         <p:style>
           <a:lnRef idx="2">
@@ -5625,19 +5583,21 @@
         </p:nvSpPr>
         <p:spPr>
           <a:xfrm>
-            <a:off x="5565742" y="2438400"/>
-            <a:ext cx="2895600" cy="1066800"/>
+            <a:off x="5565742" y="1905000"/>
+            <a:ext cx="2895600" cy="1600200"/>
           </a:xfrm>
           <a:prstGeom prst="rect">
             <a:avLst/>
           </a:prstGeom>
           <a:solidFill>
-            <a:schemeClr val="accent3">
-              <a:lumMod val="40000"/>
-              <a:lumOff val="60000"/>
+            <a:schemeClr val="accent1">
+              <a:lumMod val="20000"/>
+              <a:lumOff val="80000"/>
             </a:schemeClr>
           </a:solidFill>
-          <a:ln/>
+          <a:ln>
+            <a:noFill/>
+          </a:ln>
         </p:spPr>
         <p:style>
           <a:lnRef idx="2">
@@ -5664,7 +5624,7 @@
           <a:p>
             <a:pPr algn="ctr"/>
             <a:r>
-              <a:rPr lang="en-US" sz="1200" b="1" dirty="0">
+              <a:rPr lang="en-US" sz="1600" b="1" dirty="0">
                 <a:solidFill>
                   <a:schemeClr val="tx1"/>
                 </a:solidFill>
@@ -5672,7 +5632,7 @@
               <a:t>for-each</a:t>
             </a:r>
             <a:r>
-              <a:rPr lang="en-US" sz="1200" dirty="0">
+              <a:rPr lang="en-US" sz="1600" dirty="0">
                 <a:solidFill>
                   <a:schemeClr val="tx1"/>
                 </a:solidFill>
@@ -5683,7 +5643,7 @@
           <a:p>
             <a:pPr algn="ctr"/>
             <a:r>
-              <a:rPr lang="en-US" sz="1200" b="1" dirty="0">
+              <a:rPr lang="en-US" sz="1600" b="1" dirty="0">
                 <a:solidFill>
                   <a:schemeClr val="tx1"/>
                 </a:solidFill>
@@ -5691,7 +5651,7 @@
               <a:t>(X -&gt; Void) </a:t>
             </a:r>
             <a:r>
-              <a:rPr lang="en-US" sz="1200" b="1" dirty="0" err="1">
+              <a:rPr lang="en-US" sz="1600" b="1" dirty="0" err="1">
                 <a:solidFill>
                   <a:schemeClr val="tx1"/>
                 </a:solidFill>
@@ -5699,7 +5659,7 @@
               <a:t>ListOfX</a:t>
             </a:r>
             <a:r>
-              <a:rPr lang="en-US" sz="1200" b="1" dirty="0">
+              <a:rPr lang="en-US" sz="1600" b="1" dirty="0">
                 <a:solidFill>
                   <a:schemeClr val="tx1"/>
                 </a:solidFill>
@@ -5710,7 +5670,7 @@
           <a:p>
             <a:pPr algn="ctr"/>
             <a:r>
-              <a:rPr lang="en-US" sz="1200" dirty="0">
+              <a:rPr lang="en-US" sz="1600" dirty="0">
                 <a:solidFill>
                   <a:schemeClr val="tx1"/>
                 </a:solidFill>
@@ -5730,14 +5690,14 @@
         </p:nvCxnSpPr>
         <p:spPr>
           <a:xfrm flipH="1">
-            <a:off x="6400800" y="3505200"/>
-            <a:ext cx="612742" cy="457200"/>
+            <a:off x="2895600" y="3505200"/>
+            <a:ext cx="4117942" cy="1905000"/>
           </a:xfrm>
           <a:prstGeom prst="straightConnector1">
             <a:avLst/>
           </a:prstGeom>
-          <a:ln>
-            <a:tailEnd type="triangle"/>
+          <a:ln w="12700">
+            <a:tailEnd type="triangle" w="lg" len="lg"/>
           </a:ln>
         </p:spPr>
         <p:style>
@@ -5826,13 +5786,8 @@
           <a:p>
             <a:r>
               <a:rPr lang="en-US" sz="1600" dirty="0"/>
-              <a:t>;; initial-world : -&gt; </a:t>
-            </a:r>
-            <a:r>
-              <a:rPr lang="en-US" sz="1600" dirty="0" err="1"/>
-              <a:t>WorldState</a:t>
-            </a:r>
-            <a:endParaRPr lang="en-US" sz="1600" dirty="0"/>
+              <a:t>;; initial-world : -&gt; World</a:t>
+            </a:r>
           </a:p>
           <a:p>
             <a:r>
@@ -6013,7 +5968,7 @@
           <a:p>
             <a:r>
               <a:rPr lang="en-US" dirty="0"/>
-              <a:t>Go run 10-2B-stateful-wall.rkt</a:t>
+              <a:t>Go run 10-4-stateful-wall.rkt</a:t>
             </a:r>
           </a:p>
         </p:txBody>
@@ -6424,8 +6379,12 @@
           <a:lstStyle/>
           <a:p>
             <a:r>
-              <a:rPr lang="en-US" dirty="0"/>
-              <a:t>Study 10-2B-stateful-wall.rkt in the Examples folder.</a:t>
+              <a:rPr lang="en-US"/>
+              <a:t>Study 10-4-stateful-wall.rkt </a:t>
+            </a:r>
+            <a:r>
+              <a:rPr lang="en-US" dirty="0"/>
+              <a:t>in the Examples folder.</a:t>
             </a:r>
           </a:p>
           <a:p>
@@ -6753,26 +6712,15 @@
             </a:pPr>
             <a:r>
               <a:rPr lang="en-US" sz="4800" dirty="0"/>
-              <a:t>;; Every stable (</a:t>
+              <a:t>;; An </a:t>
             </a:r>
             <a:r>
               <a:rPr lang="en-US" sz="4800" dirty="0" err="1"/>
-              <a:t>stateful</a:t>
+              <a:t>SWidget</a:t>
             </a:r>
             <a:r>
               <a:rPr lang="en-US" sz="4800" dirty="0"/>
-              <a:t>) object that lives in the world must implement the</a:t>
-            </a:r>
-          </a:p>
-          <a:p>
-            <a:pPr>
-              <a:spcBef>
-                <a:spcPts val="0"/>
-              </a:spcBef>
-            </a:pPr>
-            <a:r>
-              <a:rPr lang="en-US" sz="4800" dirty="0"/>
-              <a:t>;; </a:t>
+              <a:t> is an object of any class that implements the </a:t>
             </a:r>
             <a:r>
               <a:rPr lang="en-US" sz="4800" dirty="0" err="1">
@@ -6788,11 +6736,53 @@
                   <a:srgbClr val="FF0000"/>
                 </a:solidFill>
               </a:rPr>
-              <a:t>&lt;%&gt; </a:t>
-            </a:r>
+              <a:t>&lt;%&gt;</a:t>
+            </a:r>
+          </a:p>
+          <a:p>
+            <a:pPr>
+              <a:spcBef>
+                <a:spcPts val="0"/>
+              </a:spcBef>
+            </a:pPr>
             <a:r>
               <a:rPr lang="en-US" sz="4800" dirty="0"/>
-              <a:t>interface.</a:t>
+              <a:t>;; interface.</a:t>
+            </a:r>
+          </a:p>
+          <a:p>
+            <a:pPr>
+              <a:spcBef>
+                <a:spcPts val="0"/>
+              </a:spcBef>
+            </a:pPr>
+            <a:endParaRPr lang="en-US" sz="4800" dirty="0"/>
+          </a:p>
+          <a:p>
+            <a:pPr>
+              <a:spcBef>
+                <a:spcPts val="0"/>
+              </a:spcBef>
+            </a:pPr>
+            <a:r>
+              <a:rPr lang="en-US" sz="4800" dirty="0"/>
+              <a:t>;; A </a:t>
+            </a:r>
+            <a:r>
+              <a:rPr lang="en-US" sz="4800" dirty="0" err="1"/>
+              <a:t>SWidget</a:t>
+            </a:r>
+            <a:r>
+              <a:rPr lang="en-US" sz="4800" dirty="0"/>
+              <a:t> is like a Widget, but it is stable (</a:t>
+            </a:r>
+            <a:r>
+              <a:rPr lang="en-US" sz="4800" dirty="0" err="1"/>
+              <a:t>stateful</a:t>
+            </a:r>
+            <a:r>
+              <a:rPr lang="en-US" sz="4800" dirty="0"/>
+              <a:t>).</a:t>
             </a:r>
           </a:p>
           <a:p>
@@ -7288,12 +7278,14 @@
             <a:avLst/>
           </a:prstGeom>
           <a:solidFill>
-            <a:schemeClr val="accent3">
-              <a:lumMod val="40000"/>
-              <a:lumOff val="60000"/>
+            <a:schemeClr val="accent1">
+              <a:lumMod val="20000"/>
+              <a:lumOff val="80000"/>
             </a:schemeClr>
           </a:solidFill>
-          <a:ln/>
+          <a:ln>
+            <a:noFill/>
+          </a:ln>
         </p:spPr>
         <p:style>
           <a:lnRef idx="2">
@@ -7346,19 +7338,21 @@
         </p:nvSpPr>
         <p:spPr>
           <a:xfrm>
-            <a:off x="5943600" y="2133600"/>
+            <a:off x="6019800" y="2057400"/>
             <a:ext cx="2971800" cy="1524000"/>
           </a:xfrm>
           <a:prstGeom prst="rect">
             <a:avLst/>
           </a:prstGeom>
           <a:solidFill>
-            <a:schemeClr val="accent3">
-              <a:lumMod val="40000"/>
-              <a:lumOff val="60000"/>
+            <a:schemeClr val="accent1">
+              <a:lumMod val="20000"/>
+              <a:lumOff val="80000"/>
             </a:schemeClr>
           </a:solidFill>
-          <a:ln/>
+          <a:ln>
+            <a:noFill/>
+          </a:ln>
         </p:spPr>
         <p:style>
           <a:lnRef idx="2">
@@ -8091,12 +8085,14 @@
             <a:avLst/>
           </a:prstGeom>
           <a:solidFill>
-            <a:schemeClr val="accent3">
-              <a:lumMod val="40000"/>
-              <a:lumOff val="60000"/>
+            <a:schemeClr val="accent1">
+              <a:lumMod val="20000"/>
+              <a:lumOff val="80000"/>
             </a:schemeClr>
           </a:solidFill>
-          <a:ln/>
+          <a:ln>
+            <a:noFill/>
+          </a:ln>
         </p:spPr>
         <p:style>
           <a:lnRef idx="2">
@@ -8444,12 +8440,14 @@
             <a:avLst/>
           </a:prstGeom>
           <a:solidFill>
-            <a:schemeClr val="accent3">
-              <a:lumMod val="40000"/>
-              <a:lumOff val="60000"/>
+            <a:schemeClr val="accent1">
+              <a:lumMod val="20000"/>
+              <a:lumOff val="80000"/>
             </a:schemeClr>
           </a:solidFill>
-          <a:ln/>
+          <a:ln>
+            <a:noFill/>
+          </a:ln>
         </p:spPr>
         <p:style>
           <a:lnRef idx="2">
@@ -8504,12 +8502,14 @@
             <a:avLst/>
           </a:prstGeom>
           <a:solidFill>
-            <a:schemeClr val="accent3">
-              <a:lumMod val="40000"/>
-              <a:lumOff val="60000"/>
+            <a:schemeClr val="accent1">
+              <a:lumMod val="20000"/>
+              <a:lumOff val="80000"/>
             </a:schemeClr>
           </a:solidFill>
-          <a:ln/>
+          <a:ln>
+            <a:noFill/>
+          </a:ln>
         </p:spPr>
         <p:style>
           <a:lnRef idx="2">
@@ -8593,12 +8593,14 @@
             <a:avLst/>
           </a:prstGeom>
           <a:solidFill>
-            <a:schemeClr val="accent3">
-              <a:lumMod val="40000"/>
-              <a:lumOff val="60000"/>
+            <a:schemeClr val="accent1">
+              <a:lumMod val="20000"/>
+              <a:lumOff val="80000"/>
             </a:schemeClr>
           </a:solidFill>
-          <a:ln/>
+          <a:ln>
+            <a:noFill/>
+          </a:ln>
         </p:spPr>
         <p:style>
           <a:lnRef idx="2">
@@ -8658,12 +8660,14 @@
             <a:avLst/>
           </a:prstGeom>
           <a:solidFill>
-            <a:schemeClr val="accent3">
-              <a:lumMod val="40000"/>
-              <a:lumOff val="60000"/>
+            <a:schemeClr val="accent1">
+              <a:lumMod val="20000"/>
+              <a:lumOff val="80000"/>
             </a:schemeClr>
           </a:solidFill>
-          <a:ln/>
+          <a:ln>
+            <a:noFill/>
+          </a:ln>
         </p:spPr>
         <p:style>
           <a:lnRef idx="2">
@@ -8718,8 +8722,9 @@
               <a:gd name="adj1" fmla="val 17053"/>
             </a:avLst>
           </a:prstGeom>
-          <a:ln>
-            <a:tailEnd type="triangle"/>
+          <a:ln w="12700">
+            <a:headEnd w="lg" len="lg"/>
+            <a:tailEnd type="triangle" w="lg" len="lg"/>
           </a:ln>
         </p:spPr>
         <p:style>
@@ -8755,8 +8760,9 @@
               <a:gd name="adj1" fmla="val 29852"/>
             </a:avLst>
           </a:prstGeom>
-          <a:ln>
-            <a:tailEnd type="triangle"/>
+          <a:ln w="12700">
+            <a:headEnd w="lg" len="lg"/>
+            <a:tailEnd type="triangle" w="lg" len="lg"/>
           </a:ln>
         </p:spPr>
         <p:style>
@@ -9042,12 +9048,14 @@
             <a:avLst/>
           </a:prstGeom>
           <a:solidFill>
-            <a:schemeClr val="accent3">
-              <a:lumMod val="40000"/>
-              <a:lumOff val="60000"/>
+            <a:schemeClr val="accent1">
+              <a:lumMod val="20000"/>
+              <a:lumOff val="80000"/>
             </a:schemeClr>
           </a:solidFill>
-          <a:ln/>
+          <a:ln>
+            <a:noFill/>
+          </a:ln>
         </p:spPr>
         <p:style>
           <a:lnRef idx="2">
@@ -9100,7 +9108,7 @@
           <a:prstGeom prst="straightConnector1">
             <a:avLst/>
           </a:prstGeom>
-          <a:ln>
+          <a:ln w="12700">
             <a:tailEnd type="triangle"/>
           </a:ln>
         </p:spPr>
